--- a/Splunk-Build-A-Thon-Idea/Splunk-DNSGuard-AI-IDEA.pptx
+++ b/Splunk-Build-A-Thon-Idea/Splunk-DNSGuard-AI-IDEA.pptx
@@ -11420,8 +11420,21 @@
                   <a:schemeClr val="bg1"/>
                 </a:solidFill>
               </a:rPr>
-              <a:t>Management</a:t>
-            </a:r>
+              <a:t>Management </a:t>
+            </a:r>
+            <a:r>
+              <a:rPr lang="it-IT" b="1" dirty="0" err="1">
+                <a:solidFill>
+                  <a:schemeClr val="bg1"/>
+                </a:solidFill>
+              </a:rPr>
+              <a:t>View</a:t>
+            </a:r>
+            <a:endParaRPr lang="it-IT" b="1" dirty="0">
+              <a:solidFill>
+                <a:schemeClr val="bg1"/>
+              </a:solidFill>
+            </a:endParaRPr>
           </a:p>
         </p:txBody>
       </p:sp>
@@ -11486,8 +11499,8 @@
         </p:nvCxnSpPr>
         <p:spPr>
           <a:xfrm rot="5400000">
-            <a:off x="3826098" y="3560126"/>
-            <a:ext cx="2026655" cy="1055411"/>
+            <a:off x="3826098" y="3560127"/>
+            <a:ext cx="2026656" cy="1055409"/>
           </a:xfrm>
           <a:prstGeom prst="bentConnector3">
             <a:avLst/>
@@ -11530,12 +11543,12 @@
         </p:nvCxnSpPr>
         <p:spPr>
           <a:xfrm rot="10800000" flipV="1">
-            <a:off x="1921566" y="2736574"/>
-            <a:ext cx="1329979" cy="692424"/>
+            <a:off x="1921567" y="2729948"/>
+            <a:ext cx="1437860" cy="699050"/>
           </a:xfrm>
           <a:prstGeom prst="bentConnector3">
             <a:avLst>
-              <a:gd name="adj1" fmla="val 99821"/>
+              <a:gd name="adj1" fmla="val 100230"/>
             </a:avLst>
           </a:prstGeom>
           <a:ln>
@@ -11571,17 +11584,18 @@
           </p:cNvPr>
           <p:cNvCxnSpPr>
             <a:cxnSpLocks/>
+            <a:endCxn id="58" idx="0"/>
           </p:cNvCxnSpPr>
           <p:nvPr/>
         </p:nvCxnSpPr>
         <p:spPr>
-          <a:xfrm>
-            <a:off x="6824873" y="3074506"/>
-            <a:ext cx="853928" cy="801757"/>
+          <a:xfrm rot="16200000" flipH="1">
+            <a:off x="6731426" y="3167946"/>
+            <a:ext cx="1071152" cy="884265"/>
           </a:xfrm>
           <a:prstGeom prst="bentConnector3">
             <a:avLst>
-              <a:gd name="adj1" fmla="val 1115"/>
+              <a:gd name="adj1" fmla="val 50000"/>
             </a:avLst>
           </a:prstGeom>
           <a:ln>
@@ -11821,7 +11835,7 @@
         </p:nvGrpSpPr>
         <p:grpSpPr>
           <a:xfrm>
-            <a:off x="6463968" y="3927285"/>
+            <a:off x="6463968" y="4145655"/>
             <a:ext cx="2517595" cy="1877167"/>
             <a:chOff x="1701101" y="1802916"/>
             <a:chExt cx="8886021" cy="3784578"/>
@@ -11950,7 +11964,7 @@
         </p:nvSpPr>
         <p:spPr>
           <a:xfrm>
-            <a:off x="6008314" y="3976475"/>
+            <a:off x="6006219" y="4212992"/>
             <a:ext cx="3362959" cy="369332"/>
           </a:xfrm>
           <a:prstGeom prst="rect">
@@ -11971,8 +11985,21 @@
                   <a:schemeClr val="bg1"/>
                 </a:solidFill>
               </a:rPr>
-              <a:t>Dashboards</a:t>
-            </a:r>
+              <a:t>Dashboards </a:t>
+            </a:r>
+            <a:r>
+              <a:rPr lang="it-IT" b="1" dirty="0" err="1">
+                <a:solidFill>
+                  <a:schemeClr val="bg1"/>
+                </a:solidFill>
+              </a:rPr>
+              <a:t>View</a:t>
+            </a:r>
+            <a:endParaRPr lang="it-IT" b="1" dirty="0">
+              <a:solidFill>
+                <a:schemeClr val="bg1"/>
+              </a:solidFill>
+            </a:endParaRPr>
           </a:p>
         </p:txBody>
       </p:sp>
@@ -11990,7 +12017,7 @@
         </p:nvSpPr>
         <p:spPr>
           <a:xfrm>
-            <a:off x="6070346" y="4402294"/>
+            <a:off x="6070346" y="4620664"/>
             <a:ext cx="3290127" cy="1200329"/>
           </a:xfrm>
           <a:prstGeom prst="rect">
@@ -12235,13 +12262,34 @@
           <a:p>
             <a:pPr algn="ctr"/>
             <a:r>
+              <a:rPr lang="it-IT" b="1" dirty="0" err="1">
+                <a:solidFill>
+                  <a:schemeClr val="bg1"/>
+                </a:solidFill>
+              </a:rPr>
+              <a:t>Integrations</a:t>
+            </a:r>
+            <a:r>
               <a:rPr lang="it-IT" b="1" dirty="0">
                 <a:solidFill>
                   <a:schemeClr val="bg1"/>
                 </a:solidFill>
               </a:rPr>
-              <a:t>Integrations</a:t>
-            </a:r>
+              <a:t> </a:t>
+            </a:r>
+            <a:r>
+              <a:rPr lang="it-IT" b="1" dirty="0" err="1">
+                <a:solidFill>
+                  <a:schemeClr val="bg1"/>
+                </a:solidFill>
+              </a:rPr>
+              <a:t>View</a:t>
+            </a:r>
+            <a:endParaRPr lang="it-IT" b="1" dirty="0">
+              <a:solidFill>
+                <a:schemeClr val="bg1"/>
+              </a:solidFill>
+            </a:endParaRPr>
           </a:p>
         </p:txBody>
       </p:sp>

--- a/Splunk-Build-A-Thon-Idea/Splunk-DNSGuard-AI-IDEA.pptx
+++ b/Splunk-Build-A-Thon-Idea/Splunk-DNSGuard-AI-IDEA.pptx
@@ -205,7 +205,7 @@
           <a:p>
             <a:fld id="{07B3BC97-3BC0-40FA-81A1-72ED287ACE70}" type="datetimeFigureOut">
               <a:rPr lang="it-IT" smtClean="0"/>
-              <a:t>15/05/2025</a:t>
+              <a:t>16/05/2025</a:t>
             </a:fld>
             <a:endParaRPr lang="it-IT" dirty="0"/>
           </a:p>
@@ -703,7 +703,7 @@
           <a:p>
             <a:fld id="{C94D923A-9170-4643-B378-C6ADCBE8E107}" type="datetimeFigureOut">
               <a:rPr lang="it-IT" smtClean="0"/>
-              <a:t>15/05/2025</a:t>
+              <a:t>16/05/2025</a:t>
             </a:fld>
             <a:endParaRPr lang="it-IT" dirty="0"/>
           </a:p>
@@ -901,7 +901,7 @@
           <a:p>
             <a:fld id="{C94D923A-9170-4643-B378-C6ADCBE8E107}" type="datetimeFigureOut">
               <a:rPr lang="it-IT" smtClean="0"/>
-              <a:t>15/05/2025</a:t>
+              <a:t>16/05/2025</a:t>
             </a:fld>
             <a:endParaRPr lang="it-IT" dirty="0"/>
           </a:p>
@@ -1109,7 +1109,7 @@
           <a:p>
             <a:fld id="{C94D923A-9170-4643-B378-C6ADCBE8E107}" type="datetimeFigureOut">
               <a:rPr lang="it-IT" smtClean="0"/>
-              <a:t>15/05/2025</a:t>
+              <a:t>16/05/2025</a:t>
             </a:fld>
             <a:endParaRPr lang="it-IT" dirty="0"/>
           </a:p>
@@ -1307,7 +1307,7 @@
           <a:p>
             <a:fld id="{C94D923A-9170-4643-B378-C6ADCBE8E107}" type="datetimeFigureOut">
               <a:rPr lang="it-IT" smtClean="0"/>
-              <a:t>15/05/2025</a:t>
+              <a:t>16/05/2025</a:t>
             </a:fld>
             <a:endParaRPr lang="it-IT" dirty="0"/>
           </a:p>
@@ -1582,7 +1582,7 @@
           <a:p>
             <a:fld id="{C94D923A-9170-4643-B378-C6ADCBE8E107}" type="datetimeFigureOut">
               <a:rPr lang="it-IT" smtClean="0"/>
-              <a:t>15/05/2025</a:t>
+              <a:t>16/05/2025</a:t>
             </a:fld>
             <a:endParaRPr lang="it-IT" dirty="0"/>
           </a:p>
@@ -1847,7 +1847,7 @@
           <a:p>
             <a:fld id="{C94D923A-9170-4643-B378-C6ADCBE8E107}" type="datetimeFigureOut">
               <a:rPr lang="it-IT" smtClean="0"/>
-              <a:t>15/05/2025</a:t>
+              <a:t>16/05/2025</a:t>
             </a:fld>
             <a:endParaRPr lang="it-IT" dirty="0"/>
           </a:p>
@@ -2259,7 +2259,7 @@
           <a:p>
             <a:fld id="{C94D923A-9170-4643-B378-C6ADCBE8E107}" type="datetimeFigureOut">
               <a:rPr lang="it-IT" smtClean="0"/>
-              <a:t>15/05/2025</a:t>
+              <a:t>16/05/2025</a:t>
             </a:fld>
             <a:endParaRPr lang="it-IT" dirty="0"/>
           </a:p>
@@ -2400,7 +2400,7 @@
           <a:p>
             <a:fld id="{C94D923A-9170-4643-B378-C6ADCBE8E107}" type="datetimeFigureOut">
               <a:rPr lang="it-IT" smtClean="0"/>
-              <a:t>15/05/2025</a:t>
+              <a:t>16/05/2025</a:t>
             </a:fld>
             <a:endParaRPr lang="it-IT" dirty="0"/>
           </a:p>
@@ -2513,7 +2513,7 @@
           <a:p>
             <a:fld id="{C94D923A-9170-4643-B378-C6ADCBE8E107}" type="datetimeFigureOut">
               <a:rPr lang="it-IT" smtClean="0"/>
-              <a:t>15/05/2025</a:t>
+              <a:t>16/05/2025</a:t>
             </a:fld>
             <a:endParaRPr lang="it-IT" dirty="0"/>
           </a:p>
@@ -2824,7 +2824,7 @@
           <a:p>
             <a:fld id="{C94D923A-9170-4643-B378-C6ADCBE8E107}" type="datetimeFigureOut">
               <a:rPr lang="it-IT" smtClean="0"/>
-              <a:t>15/05/2025</a:t>
+              <a:t>16/05/2025</a:t>
             </a:fld>
             <a:endParaRPr lang="it-IT" dirty="0"/>
           </a:p>
@@ -3112,7 +3112,7 @@
           <a:p>
             <a:fld id="{C94D923A-9170-4643-B378-C6ADCBE8E107}" type="datetimeFigureOut">
               <a:rPr lang="it-IT" smtClean="0"/>
-              <a:t>15/05/2025</a:t>
+              <a:t>16/05/2025</a:t>
             </a:fld>
             <a:endParaRPr lang="it-IT" dirty="0"/>
           </a:p>
@@ -3353,7 +3353,7 @@
           <a:p>
             <a:fld id="{C94D923A-9170-4643-B378-C6ADCBE8E107}" type="datetimeFigureOut">
               <a:rPr lang="it-IT" smtClean="0"/>
-              <a:t>15/05/2025</a:t>
+              <a:t>16/05/2025</a:t>
             </a:fld>
             <a:endParaRPr lang="it-IT" dirty="0"/>
           </a:p>
@@ -11591,7 +11591,7 @@
         <p:spPr>
           <a:xfrm rot="16200000" flipH="1">
             <a:off x="6731426" y="3167946"/>
-            <a:ext cx="1071152" cy="884265"/>
+            <a:ext cx="1071152" cy="884266"/>
           </a:xfrm>
           <a:prstGeom prst="bentConnector3">
             <a:avLst>
@@ -11836,7 +11836,7 @@
         <p:grpSpPr>
           <a:xfrm>
             <a:off x="6463968" y="4145655"/>
-            <a:ext cx="2517595" cy="1877167"/>
+            <a:ext cx="2517595" cy="2026657"/>
             <a:chOff x="1701101" y="1802916"/>
             <a:chExt cx="8886021" cy="3784578"/>
           </a:xfrm>
@@ -12018,7 +12018,7 @@
         <p:spPr>
           <a:xfrm>
             <a:off x="6070346" y="4620664"/>
-            <a:ext cx="3290127" cy="1200329"/>
+            <a:ext cx="3290127" cy="1384995"/>
           </a:xfrm>
           <a:prstGeom prst="rect">
             <a:avLst/>
@@ -12094,6 +12094,17 @@
                 </a:solidFill>
               </a:rPr>
               <a:t>Record Type Anomalies</a:t>
+            </a:r>
+          </a:p>
+          <a:p>
+            <a:pPr algn="ctr"/>
+            <a:r>
+              <a:rPr lang="en-US" sz="1200" dirty="0">
+                <a:solidFill>
+                  <a:schemeClr val="bg1"/>
+                </a:solidFill>
+              </a:rPr>
+              <a:t>Behavioral Clustering</a:t>
             </a:r>
             <a:endParaRPr lang="it-IT" sz="1200" dirty="0">
               <a:solidFill>

--- a/Splunk-Build-A-Thon-Idea/Splunk-DNSGuard-AI-IDEA.pptx
+++ b/Splunk-Build-A-Thon-Idea/Splunk-DNSGuard-AI-IDEA.pptx
@@ -205,7 +205,7 @@
           <a:p>
             <a:fld id="{07B3BC97-3BC0-40FA-81A1-72ED287ACE70}" type="datetimeFigureOut">
               <a:rPr lang="it-IT" smtClean="0"/>
-              <a:t>16/05/2025</a:t>
+              <a:t>18/05/2025</a:t>
             </a:fld>
             <a:endParaRPr lang="it-IT" dirty="0"/>
           </a:p>
@@ -703,7 +703,7 @@
           <a:p>
             <a:fld id="{C94D923A-9170-4643-B378-C6ADCBE8E107}" type="datetimeFigureOut">
               <a:rPr lang="it-IT" smtClean="0"/>
-              <a:t>16/05/2025</a:t>
+              <a:t>18/05/2025</a:t>
             </a:fld>
             <a:endParaRPr lang="it-IT" dirty="0"/>
           </a:p>
@@ -901,7 +901,7 @@
           <a:p>
             <a:fld id="{C94D923A-9170-4643-B378-C6ADCBE8E107}" type="datetimeFigureOut">
               <a:rPr lang="it-IT" smtClean="0"/>
-              <a:t>16/05/2025</a:t>
+              <a:t>18/05/2025</a:t>
             </a:fld>
             <a:endParaRPr lang="it-IT" dirty="0"/>
           </a:p>
@@ -1109,7 +1109,7 @@
           <a:p>
             <a:fld id="{C94D923A-9170-4643-B378-C6ADCBE8E107}" type="datetimeFigureOut">
               <a:rPr lang="it-IT" smtClean="0"/>
-              <a:t>16/05/2025</a:t>
+              <a:t>18/05/2025</a:t>
             </a:fld>
             <a:endParaRPr lang="it-IT" dirty="0"/>
           </a:p>
@@ -1307,7 +1307,7 @@
           <a:p>
             <a:fld id="{C94D923A-9170-4643-B378-C6ADCBE8E107}" type="datetimeFigureOut">
               <a:rPr lang="it-IT" smtClean="0"/>
-              <a:t>16/05/2025</a:t>
+              <a:t>18/05/2025</a:t>
             </a:fld>
             <a:endParaRPr lang="it-IT" dirty="0"/>
           </a:p>
@@ -1582,7 +1582,7 @@
           <a:p>
             <a:fld id="{C94D923A-9170-4643-B378-C6ADCBE8E107}" type="datetimeFigureOut">
               <a:rPr lang="it-IT" smtClean="0"/>
-              <a:t>16/05/2025</a:t>
+              <a:t>18/05/2025</a:t>
             </a:fld>
             <a:endParaRPr lang="it-IT" dirty="0"/>
           </a:p>
@@ -1847,7 +1847,7 @@
           <a:p>
             <a:fld id="{C94D923A-9170-4643-B378-C6ADCBE8E107}" type="datetimeFigureOut">
               <a:rPr lang="it-IT" smtClean="0"/>
-              <a:t>16/05/2025</a:t>
+              <a:t>18/05/2025</a:t>
             </a:fld>
             <a:endParaRPr lang="it-IT" dirty="0"/>
           </a:p>
@@ -2259,7 +2259,7 @@
           <a:p>
             <a:fld id="{C94D923A-9170-4643-B378-C6ADCBE8E107}" type="datetimeFigureOut">
               <a:rPr lang="it-IT" smtClean="0"/>
-              <a:t>16/05/2025</a:t>
+              <a:t>18/05/2025</a:t>
             </a:fld>
             <a:endParaRPr lang="it-IT" dirty="0"/>
           </a:p>
@@ -2400,7 +2400,7 @@
           <a:p>
             <a:fld id="{C94D923A-9170-4643-B378-C6ADCBE8E107}" type="datetimeFigureOut">
               <a:rPr lang="it-IT" smtClean="0"/>
-              <a:t>16/05/2025</a:t>
+              <a:t>18/05/2025</a:t>
             </a:fld>
             <a:endParaRPr lang="it-IT" dirty="0"/>
           </a:p>
@@ -2513,7 +2513,7 @@
           <a:p>
             <a:fld id="{C94D923A-9170-4643-B378-C6ADCBE8E107}" type="datetimeFigureOut">
               <a:rPr lang="it-IT" smtClean="0"/>
-              <a:t>16/05/2025</a:t>
+              <a:t>18/05/2025</a:t>
             </a:fld>
             <a:endParaRPr lang="it-IT" dirty="0"/>
           </a:p>
@@ -2824,7 +2824,7 @@
           <a:p>
             <a:fld id="{C94D923A-9170-4643-B378-C6ADCBE8E107}" type="datetimeFigureOut">
               <a:rPr lang="it-IT" smtClean="0"/>
-              <a:t>16/05/2025</a:t>
+              <a:t>18/05/2025</a:t>
             </a:fld>
             <a:endParaRPr lang="it-IT" dirty="0"/>
           </a:p>
@@ -3112,7 +3112,7 @@
           <a:p>
             <a:fld id="{C94D923A-9170-4643-B378-C6ADCBE8E107}" type="datetimeFigureOut">
               <a:rPr lang="it-IT" smtClean="0"/>
-              <a:t>16/05/2025</a:t>
+              <a:t>18/05/2025</a:t>
             </a:fld>
             <a:endParaRPr lang="it-IT" dirty="0"/>
           </a:p>
@@ -3353,7 +3353,7 @@
           <a:p>
             <a:fld id="{C94D923A-9170-4643-B378-C6ADCBE8E107}" type="datetimeFigureOut">
               <a:rPr lang="it-IT" smtClean="0"/>
-              <a:t>16/05/2025</a:t>
+              <a:t>18/05/2025</a:t>
             </a:fld>
             <a:endParaRPr lang="it-IT" dirty="0"/>
           </a:p>
@@ -4654,8 +4654,8 @@
         </p:nvSpPr>
         <p:spPr>
           <a:xfrm>
-            <a:off x="8315735" y="90355"/>
-            <a:ext cx="3667542" cy="923330"/>
+            <a:off x="8249477" y="90355"/>
+            <a:ext cx="3733799" cy="923330"/>
           </a:xfrm>
           <a:prstGeom prst="rect">
             <a:avLst/>
@@ -4674,7 +4674,7 @@
                   <a:schemeClr val="bg1"/>
                 </a:solidFill>
               </a:rPr>
-              <a:t>Key Benefits</a:t>
+              <a:t>Key Features</a:t>
             </a:r>
           </a:p>
         </p:txBody>
@@ -4728,10 +4728,10 @@
       </p:sp>
       <p:grpSp>
         <p:nvGrpSpPr>
-          <p:cNvPr id="10" name="Gruppo 9">
-            <a:extLst>
-              <a:ext uri="{FF2B5EF4-FFF2-40B4-BE49-F238E27FC236}">
-                <a16:creationId xmlns:a16="http://schemas.microsoft.com/office/drawing/2014/main" id="{61B34005-7358-4DA6-34D6-A62A28645744}"/>
+          <p:cNvPr id="42" name="Gruppo 41">
+            <a:extLst>
+              <a:ext uri="{FF2B5EF4-FFF2-40B4-BE49-F238E27FC236}">
+                <a16:creationId xmlns:a16="http://schemas.microsoft.com/office/drawing/2014/main" id="{9F766FEB-3B96-33D7-56E0-8560F3080AA5}"/>
               </a:ext>
             </a:extLst>
           </p:cNvPr>
@@ -4740,18 +4740,18 @@
         </p:nvGrpSpPr>
         <p:grpSpPr>
           <a:xfrm>
-            <a:off x="2733041" y="2723899"/>
-            <a:ext cx="3362959" cy="830997"/>
+            <a:off x="7852470" y="2134615"/>
+            <a:ext cx="3362959" cy="1313218"/>
             <a:chOff x="1701101" y="1802916"/>
             <a:chExt cx="8886021" cy="3784578"/>
           </a:xfrm>
         </p:grpSpPr>
         <p:sp>
           <p:nvSpPr>
-            <p:cNvPr id="12" name="Rettangolo con angoli arrotondati 11">
+            <p:cNvPr id="43" name="Rettangolo con angoli arrotondati 42">
               <a:extLst>
                 <a:ext uri="{FF2B5EF4-FFF2-40B4-BE49-F238E27FC236}">
-                  <a16:creationId xmlns:a16="http://schemas.microsoft.com/office/drawing/2014/main" id="{5B1B10BA-230E-7A52-65E4-D29D2962FAD7}"/>
+                  <a16:creationId xmlns:a16="http://schemas.microsoft.com/office/drawing/2014/main" id="{2A53693C-F4DF-F990-98A1-6DCF85504828}"/>
                 </a:ext>
               </a:extLst>
             </p:cNvPr>
@@ -4802,10 +4802,10 @@
         </p:sp>
         <p:sp>
           <p:nvSpPr>
-            <p:cNvPr id="11" name="Rettangolo con angoli arrotondati 10">
+            <p:cNvPr id="44" name="Rettangolo con angoli arrotondati 43">
               <a:extLst>
                 <a:ext uri="{FF2B5EF4-FFF2-40B4-BE49-F238E27FC236}">
-                  <a16:creationId xmlns:a16="http://schemas.microsoft.com/office/drawing/2014/main" id="{C20ABDC0-3972-C0EA-56B0-7B74A8D84895}"/>
+                  <a16:creationId xmlns:a16="http://schemas.microsoft.com/office/drawing/2014/main" id="{A2139258-F847-96F5-FEB6-766D97D7F02C}"/>
                 </a:ext>
               </a:extLst>
             </p:cNvPr>
@@ -4857,10 +4857,10 @@
       </p:grpSp>
       <p:grpSp>
         <p:nvGrpSpPr>
-          <p:cNvPr id="13" name="Gruppo 12">
-            <a:extLst>
-              <a:ext uri="{FF2B5EF4-FFF2-40B4-BE49-F238E27FC236}">
-                <a16:creationId xmlns:a16="http://schemas.microsoft.com/office/drawing/2014/main" id="{1DF12B9C-5F20-F8B2-B6F4-EC2ECAFFD215}"/>
+          <p:cNvPr id="45" name="Gruppo 44">
+            <a:extLst>
+              <a:ext uri="{FF2B5EF4-FFF2-40B4-BE49-F238E27FC236}">
+                <a16:creationId xmlns:a16="http://schemas.microsoft.com/office/drawing/2014/main" id="{3AE6ECD9-B6B4-AB26-C661-22E71A552260}"/>
               </a:ext>
             </a:extLst>
           </p:cNvPr>
@@ -4869,18 +4869,18 @@
         </p:nvGrpSpPr>
         <p:grpSpPr>
           <a:xfrm>
-            <a:off x="2714832" y="3782371"/>
-            <a:ext cx="3362959" cy="830997"/>
+            <a:off x="7852470" y="4958669"/>
+            <a:ext cx="3362959" cy="1280405"/>
             <a:chOff x="1701101" y="1802916"/>
             <a:chExt cx="8886021" cy="3784578"/>
           </a:xfrm>
         </p:grpSpPr>
         <p:sp>
           <p:nvSpPr>
-            <p:cNvPr id="14" name="Rettangolo con angoli arrotondati 13">
+            <p:cNvPr id="46" name="Rettangolo con angoli arrotondati 45">
               <a:extLst>
                 <a:ext uri="{FF2B5EF4-FFF2-40B4-BE49-F238E27FC236}">
-                  <a16:creationId xmlns:a16="http://schemas.microsoft.com/office/drawing/2014/main" id="{3D2CB201-00DA-A38B-3587-DFA63F2C134C}"/>
+                  <a16:creationId xmlns:a16="http://schemas.microsoft.com/office/drawing/2014/main" id="{41F22C12-AA96-0367-77CC-C2C2AF5CA7D4}"/>
                 </a:ext>
               </a:extLst>
             </p:cNvPr>
@@ -4931,10 +4931,709 @@
         </p:sp>
         <p:sp>
           <p:nvSpPr>
-            <p:cNvPr id="15" name="Rettangolo con angoli arrotondati 14">
+            <p:cNvPr id="47" name="Rettangolo con angoli arrotondati 46">
               <a:extLst>
                 <a:ext uri="{FF2B5EF4-FFF2-40B4-BE49-F238E27FC236}">
-                  <a16:creationId xmlns:a16="http://schemas.microsoft.com/office/drawing/2014/main" id="{F57369C5-217D-3461-8EC9-F38D7FF8520E}"/>
+                  <a16:creationId xmlns:a16="http://schemas.microsoft.com/office/drawing/2014/main" id="{92C68214-A31F-158E-1586-C393166B123D}"/>
+                </a:ext>
+              </a:extLst>
+            </p:cNvPr>
+            <p:cNvSpPr/>
+            <p:nvPr/>
+          </p:nvSpPr>
+          <p:spPr>
+            <a:xfrm>
+              <a:off x="1701101" y="1802916"/>
+              <a:ext cx="8789797" cy="3690014"/>
+            </a:xfrm>
+            <a:prstGeom prst="roundRect">
+              <a:avLst/>
+            </a:prstGeom>
+            <a:solidFill>
+              <a:srgbClr val="012F5F"/>
+            </a:solidFill>
+            <a:ln>
+              <a:solidFill>
+                <a:srgbClr val="012F5F"/>
+              </a:solidFill>
+            </a:ln>
+          </p:spPr>
+          <p:style>
+            <a:lnRef idx="2">
+              <a:schemeClr val="accent1">
+                <a:shade val="15000"/>
+              </a:schemeClr>
+            </a:lnRef>
+            <a:fillRef idx="1">
+              <a:schemeClr val="accent1"/>
+            </a:fillRef>
+            <a:effectRef idx="0">
+              <a:schemeClr val="accent1"/>
+            </a:effectRef>
+            <a:fontRef idx="minor">
+              <a:schemeClr val="lt1"/>
+            </a:fontRef>
+          </p:style>
+          <p:txBody>
+            <a:bodyPr rtlCol="0" anchor="ctr"/>
+            <a:lstStyle/>
+            <a:p>
+              <a:pPr algn="ctr"/>
+              <a:endParaRPr lang="it-IT" dirty="0"/>
+            </a:p>
+          </p:txBody>
+        </p:sp>
+      </p:grpSp>
+      <p:sp>
+        <p:nvSpPr>
+          <p:cNvPr id="48" name="CasellaDiTesto 47">
+            <a:extLst>
+              <a:ext uri="{FF2B5EF4-FFF2-40B4-BE49-F238E27FC236}">
+                <a16:creationId xmlns:a16="http://schemas.microsoft.com/office/drawing/2014/main" id="{4CE1E853-74C8-8E8A-A4D9-AC93E3A46BA8}"/>
+              </a:ext>
+            </a:extLst>
+          </p:cNvPr>
+          <p:cNvSpPr txBox="1"/>
+          <p:nvPr/>
+        </p:nvSpPr>
+        <p:spPr>
+          <a:xfrm>
+            <a:off x="7852470" y="2218587"/>
+            <a:ext cx="3362959" cy="369332"/>
+          </a:xfrm>
+          <a:prstGeom prst="rect">
+            <a:avLst/>
+          </a:prstGeom>
+          <a:noFill/>
+        </p:spPr>
+        <p:txBody>
+          <a:bodyPr wrap="square" rtlCol="0">
+            <a:spAutoFit/>
+          </a:bodyPr>
+          <a:lstStyle/>
+          <a:p>
+            <a:pPr algn="ctr"/>
+            <a:r>
+              <a:rPr lang="it-IT" b="1" dirty="0">
+                <a:solidFill>
+                  <a:schemeClr val="bg1"/>
+                </a:solidFill>
+              </a:rPr>
+              <a:t>Enterprise-Ready</a:t>
+            </a:r>
+          </a:p>
+        </p:txBody>
+      </p:sp>
+      <p:sp>
+        <p:nvSpPr>
+          <p:cNvPr id="49" name="CasellaDiTesto 48">
+            <a:extLst>
+              <a:ext uri="{FF2B5EF4-FFF2-40B4-BE49-F238E27FC236}">
+                <a16:creationId xmlns:a16="http://schemas.microsoft.com/office/drawing/2014/main" id="{DD7DC982-126B-45E5-D09E-15AC0C6DC4BA}"/>
+              </a:ext>
+            </a:extLst>
+          </p:cNvPr>
+          <p:cNvSpPr txBox="1"/>
+          <p:nvPr/>
+        </p:nvSpPr>
+        <p:spPr>
+          <a:xfrm>
+            <a:off x="7852470" y="5007859"/>
+            <a:ext cx="3362959" cy="369332"/>
+          </a:xfrm>
+          <a:prstGeom prst="rect">
+            <a:avLst/>
+          </a:prstGeom>
+          <a:noFill/>
+        </p:spPr>
+        <p:txBody>
+          <a:bodyPr wrap="square" rtlCol="0">
+            <a:spAutoFit/>
+          </a:bodyPr>
+          <a:lstStyle/>
+          <a:p>
+            <a:pPr algn="ctr"/>
+            <a:r>
+              <a:rPr lang="it-IT" b="1" dirty="0">
+                <a:solidFill>
+                  <a:schemeClr val="bg1"/>
+                </a:solidFill>
+              </a:rPr>
+              <a:t>Dashboard System</a:t>
+            </a:r>
+          </a:p>
+        </p:txBody>
+      </p:sp>
+      <p:pic>
+        <p:nvPicPr>
+          <p:cNvPr id="50" name="Immagine 49" descr="Immagine che contiene simbolo, logo, cerchio, Elementi grafici&#10;&#10;Il contenuto generato dall'IA potrebbe non essere corretto.">
+            <a:extLst>
+              <a:ext uri="{FF2B5EF4-FFF2-40B4-BE49-F238E27FC236}">
+                <a16:creationId xmlns:a16="http://schemas.microsoft.com/office/drawing/2014/main" id="{BA0F8399-6845-1650-C05D-3671952D731C}"/>
+              </a:ext>
+            </a:extLst>
+          </p:cNvPr>
+          <p:cNvPicPr>
+            <a:picLocks noChangeAspect="1"/>
+          </p:cNvPicPr>
+          <p:nvPr/>
+        </p:nvPicPr>
+        <p:blipFill>
+          <a:blip r:embed="rId2">
+            <a:extLst>
+              <a:ext uri="{28A0092B-C50C-407E-A947-70E740481C1C}">
+                <a14:useLocalDpi xmlns:a14="http://schemas.microsoft.com/office/drawing/2010/main" val="0"/>
+              </a:ext>
+            </a:extLst>
+          </a:blip>
+          <a:stretch>
+            <a:fillRect/>
+          </a:stretch>
+        </p:blipFill>
+        <p:spPr>
+          <a:xfrm>
+            <a:off x="4451421" y="2470984"/>
+            <a:ext cx="3313043" cy="3313043"/>
+          </a:xfrm>
+          <a:prstGeom prst="rect">
+            <a:avLst/>
+          </a:prstGeom>
+        </p:spPr>
+      </p:pic>
+      <p:sp>
+        <p:nvSpPr>
+          <p:cNvPr id="51" name="CasellaDiTesto 50">
+            <a:extLst>
+              <a:ext uri="{FF2B5EF4-FFF2-40B4-BE49-F238E27FC236}">
+                <a16:creationId xmlns:a16="http://schemas.microsoft.com/office/drawing/2014/main" id="{E9321962-CB36-1850-C650-4394B7F30C75}"/>
+              </a:ext>
+            </a:extLst>
+          </p:cNvPr>
+          <p:cNvSpPr txBox="1"/>
+          <p:nvPr/>
+        </p:nvSpPr>
+        <p:spPr>
+          <a:xfrm>
+            <a:off x="8350397" y="2708767"/>
+            <a:ext cx="2330686" cy="461665"/>
+          </a:xfrm>
+          <a:prstGeom prst="rect">
+            <a:avLst/>
+          </a:prstGeom>
+          <a:noFill/>
+        </p:spPr>
+        <p:txBody>
+          <a:bodyPr wrap="square" rtlCol="0">
+            <a:spAutoFit/>
+          </a:bodyPr>
+          <a:lstStyle/>
+          <a:p>
+            <a:pPr algn="ctr"/>
+            <a:r>
+              <a:rPr lang="it-IT" sz="1200" b="0" i="0" dirty="0">
+                <a:solidFill>
+                  <a:srgbClr val="F0F6FC"/>
+                </a:solidFill>
+                <a:effectLst/>
+                <a:latin typeface="-apple-system"/>
+              </a:rPr>
+              <a:t>Scalable </a:t>
+            </a:r>
+            <a:r>
+              <a:rPr lang="it-IT" sz="1200" b="0" i="0" dirty="0" err="1">
+                <a:solidFill>
+                  <a:srgbClr val="F0F6FC"/>
+                </a:solidFill>
+                <a:effectLst/>
+                <a:latin typeface="-apple-system"/>
+              </a:rPr>
+              <a:t>solution</a:t>
+            </a:r>
+            <a:r>
+              <a:rPr lang="it-IT" sz="1200" b="0" i="0" dirty="0">
+                <a:solidFill>
+                  <a:srgbClr val="F0F6FC"/>
+                </a:solidFill>
+                <a:effectLst/>
+                <a:latin typeface="-apple-system"/>
+              </a:rPr>
+              <a:t> </a:t>
+            </a:r>
+            <a:r>
+              <a:rPr lang="it-IT" sz="1200" b="0" i="0" dirty="0" err="1">
+                <a:solidFill>
+                  <a:srgbClr val="F0F6FC"/>
+                </a:solidFill>
+                <a:effectLst/>
+                <a:latin typeface="-apple-system"/>
+              </a:rPr>
+              <a:t>designed</a:t>
+            </a:r>
+            <a:r>
+              <a:rPr lang="it-IT" sz="1200" b="0" i="0" dirty="0">
+                <a:solidFill>
+                  <a:srgbClr val="F0F6FC"/>
+                </a:solidFill>
+                <a:effectLst/>
+                <a:latin typeface="-apple-system"/>
+              </a:rPr>
+              <a:t> for large network </a:t>
+            </a:r>
+            <a:r>
+              <a:rPr lang="it-IT" sz="1200" b="0" i="0" dirty="0" err="1">
+                <a:solidFill>
+                  <a:srgbClr val="F0F6FC"/>
+                </a:solidFill>
+                <a:effectLst/>
+                <a:latin typeface="-apple-system"/>
+              </a:rPr>
+              <a:t>environments</a:t>
+            </a:r>
+            <a:endParaRPr lang="it-IT" sz="1200" dirty="0">
+              <a:solidFill>
+                <a:schemeClr val="bg1"/>
+              </a:solidFill>
+            </a:endParaRPr>
+          </a:p>
+        </p:txBody>
+      </p:sp>
+      <p:sp>
+        <p:nvSpPr>
+          <p:cNvPr id="52" name="CasellaDiTesto 51">
+            <a:extLst>
+              <a:ext uri="{FF2B5EF4-FFF2-40B4-BE49-F238E27FC236}">
+                <a16:creationId xmlns:a16="http://schemas.microsoft.com/office/drawing/2014/main" id="{B9CC3340-43A3-EF93-BA26-6F8480D424BD}"/>
+              </a:ext>
+            </a:extLst>
+          </p:cNvPr>
+          <p:cNvSpPr txBox="1"/>
+          <p:nvPr/>
+        </p:nvSpPr>
+        <p:spPr>
+          <a:xfrm>
+            <a:off x="8186839" y="5333165"/>
+            <a:ext cx="2644817" cy="830997"/>
+          </a:xfrm>
+          <a:prstGeom prst="rect">
+            <a:avLst/>
+          </a:prstGeom>
+          <a:noFill/>
+        </p:spPr>
+        <p:txBody>
+          <a:bodyPr wrap="square" rtlCol="0">
+            <a:spAutoFit/>
+          </a:bodyPr>
+          <a:lstStyle/>
+          <a:p>
+            <a:pPr algn="ctr"/>
+            <a:r>
+              <a:rPr lang="en-US" sz="1200" b="0" i="0" dirty="0">
+                <a:solidFill>
+                  <a:srgbClr val="F0F6FC"/>
+                </a:solidFill>
+                <a:effectLst/>
+                <a:latin typeface="-apple-system"/>
+              </a:rPr>
+              <a:t>Specialized dashboards for each detection method and an overview dashboard for high-level threat monitoring.</a:t>
+            </a:r>
+            <a:endParaRPr lang="it-IT" sz="1200" dirty="0">
+              <a:solidFill>
+                <a:schemeClr val="bg1"/>
+              </a:solidFill>
+            </a:endParaRPr>
+          </a:p>
+        </p:txBody>
+      </p:sp>
+      <p:cxnSp>
+        <p:nvCxnSpPr>
+          <p:cNvPr id="53" name="Connettore a gomito 52">
+            <a:extLst>
+              <a:ext uri="{FF2B5EF4-FFF2-40B4-BE49-F238E27FC236}">
+                <a16:creationId xmlns:a16="http://schemas.microsoft.com/office/drawing/2014/main" id="{64649A97-3C8B-01E0-6B4B-C02515390F3D}"/>
+              </a:ext>
+            </a:extLst>
+          </p:cNvPr>
+          <p:cNvCxnSpPr>
+            <a:cxnSpLocks/>
+            <a:endCxn id="47" idx="1"/>
+          </p:cNvCxnSpPr>
+          <p:nvPr/>
+        </p:nvCxnSpPr>
+        <p:spPr>
+          <a:xfrm>
+            <a:off x="7194210" y="4127506"/>
+            <a:ext cx="658260" cy="1455369"/>
+          </a:xfrm>
+          <a:prstGeom prst="bentConnector3">
+            <a:avLst>
+              <a:gd name="adj1" fmla="val 50000"/>
+            </a:avLst>
+          </a:prstGeom>
+          <a:ln>
+            <a:solidFill>
+              <a:schemeClr val="bg1"/>
+            </a:solidFill>
+            <a:tailEnd type="triangle"/>
+          </a:ln>
+        </p:spPr>
+        <p:style>
+          <a:lnRef idx="2">
+            <a:schemeClr val="accent1"/>
+          </a:lnRef>
+          <a:fillRef idx="0">
+            <a:schemeClr val="accent1"/>
+          </a:fillRef>
+          <a:effectRef idx="1">
+            <a:schemeClr val="accent1"/>
+          </a:effectRef>
+          <a:fontRef idx="minor">
+            <a:schemeClr val="tx1"/>
+          </a:fontRef>
+        </p:style>
+      </p:cxnSp>
+      <p:cxnSp>
+        <p:nvCxnSpPr>
+          <p:cNvPr id="54" name="Connettore a gomito 53">
+            <a:extLst>
+              <a:ext uri="{FF2B5EF4-FFF2-40B4-BE49-F238E27FC236}">
+                <a16:creationId xmlns:a16="http://schemas.microsoft.com/office/drawing/2014/main" id="{627E4C94-918E-3B02-3144-EB94133A7B9A}"/>
+              </a:ext>
+            </a:extLst>
+          </p:cNvPr>
+          <p:cNvCxnSpPr>
+            <a:cxnSpLocks/>
+            <a:endCxn id="44" idx="1"/>
+          </p:cNvCxnSpPr>
+          <p:nvPr/>
+        </p:nvCxnSpPr>
+        <p:spPr>
+          <a:xfrm flipV="1">
+            <a:off x="7194210" y="2774818"/>
+            <a:ext cx="658260" cy="1352688"/>
+          </a:xfrm>
+          <a:prstGeom prst="bentConnector3">
+            <a:avLst>
+              <a:gd name="adj1" fmla="val 50000"/>
+            </a:avLst>
+          </a:prstGeom>
+          <a:ln>
+            <a:solidFill>
+              <a:schemeClr val="bg1"/>
+            </a:solidFill>
+            <a:tailEnd type="triangle"/>
+          </a:ln>
+        </p:spPr>
+        <p:style>
+          <a:lnRef idx="2">
+            <a:schemeClr val="accent1"/>
+          </a:lnRef>
+          <a:fillRef idx="0">
+            <a:schemeClr val="accent1"/>
+          </a:fillRef>
+          <a:effectRef idx="1">
+            <a:schemeClr val="accent1"/>
+          </a:effectRef>
+          <a:fontRef idx="minor">
+            <a:schemeClr val="tx1"/>
+          </a:fontRef>
+        </p:style>
+      </p:cxnSp>
+      <p:grpSp>
+        <p:nvGrpSpPr>
+          <p:cNvPr id="55" name="Gruppo 54">
+            <a:extLst>
+              <a:ext uri="{FF2B5EF4-FFF2-40B4-BE49-F238E27FC236}">
+                <a16:creationId xmlns:a16="http://schemas.microsoft.com/office/drawing/2014/main" id="{569E7E03-22A6-CE02-1302-B095DFD6A2DB}"/>
+              </a:ext>
+            </a:extLst>
+          </p:cNvPr>
+          <p:cNvGrpSpPr/>
+          <p:nvPr/>
+        </p:nvGrpSpPr>
+        <p:grpSpPr>
+          <a:xfrm>
+            <a:off x="7852470" y="3546371"/>
+            <a:ext cx="3362959" cy="1313218"/>
+            <a:chOff x="1701101" y="1802916"/>
+            <a:chExt cx="8886021" cy="3784578"/>
+          </a:xfrm>
+        </p:grpSpPr>
+        <p:sp>
+          <p:nvSpPr>
+            <p:cNvPr id="56" name="Rettangolo con angoli arrotondati 55">
+              <a:extLst>
+                <a:ext uri="{FF2B5EF4-FFF2-40B4-BE49-F238E27FC236}">
+                  <a16:creationId xmlns:a16="http://schemas.microsoft.com/office/drawing/2014/main" id="{31ADA056-71B6-8CF0-EA9F-075FCDF79F77}"/>
+                </a:ext>
+              </a:extLst>
+            </p:cNvPr>
+            <p:cNvSpPr/>
+            <p:nvPr/>
+          </p:nvSpPr>
+          <p:spPr>
+            <a:xfrm>
+              <a:off x="1797325" y="1897480"/>
+              <a:ext cx="8789797" cy="3690014"/>
+            </a:xfrm>
+            <a:prstGeom prst="roundRect">
+              <a:avLst/>
+            </a:prstGeom>
+            <a:solidFill>
+              <a:schemeClr val="tx1"/>
+            </a:solidFill>
+            <a:ln>
+              <a:solidFill>
+                <a:schemeClr val="tx1"/>
+              </a:solidFill>
+            </a:ln>
+          </p:spPr>
+          <p:style>
+            <a:lnRef idx="2">
+              <a:schemeClr val="accent1">
+                <a:shade val="15000"/>
+              </a:schemeClr>
+            </a:lnRef>
+            <a:fillRef idx="1">
+              <a:schemeClr val="accent1"/>
+            </a:fillRef>
+            <a:effectRef idx="0">
+              <a:schemeClr val="accent1"/>
+            </a:effectRef>
+            <a:fontRef idx="minor">
+              <a:schemeClr val="lt1"/>
+            </a:fontRef>
+          </p:style>
+          <p:txBody>
+            <a:bodyPr rtlCol="0" anchor="ctr"/>
+            <a:lstStyle/>
+            <a:p>
+              <a:pPr algn="ctr"/>
+              <a:endParaRPr lang="it-IT" dirty="0"/>
+            </a:p>
+          </p:txBody>
+        </p:sp>
+        <p:sp>
+          <p:nvSpPr>
+            <p:cNvPr id="57" name="Rettangolo con angoli arrotondati 56">
+              <a:extLst>
+                <a:ext uri="{FF2B5EF4-FFF2-40B4-BE49-F238E27FC236}">
+                  <a16:creationId xmlns:a16="http://schemas.microsoft.com/office/drawing/2014/main" id="{DB60C625-C670-C038-B00E-5E1D7D9A3C03}"/>
+                </a:ext>
+              </a:extLst>
+            </p:cNvPr>
+            <p:cNvSpPr/>
+            <p:nvPr/>
+          </p:nvSpPr>
+          <p:spPr>
+            <a:xfrm>
+              <a:off x="1701101" y="1802916"/>
+              <a:ext cx="8789797" cy="3690014"/>
+            </a:xfrm>
+            <a:prstGeom prst="roundRect">
+              <a:avLst/>
+            </a:prstGeom>
+            <a:solidFill>
+              <a:srgbClr val="012F5F"/>
+            </a:solidFill>
+            <a:ln>
+              <a:solidFill>
+                <a:srgbClr val="012F5F"/>
+              </a:solidFill>
+            </a:ln>
+          </p:spPr>
+          <p:style>
+            <a:lnRef idx="2">
+              <a:schemeClr val="accent1">
+                <a:shade val="15000"/>
+              </a:schemeClr>
+            </a:lnRef>
+            <a:fillRef idx="1">
+              <a:schemeClr val="accent1"/>
+            </a:fillRef>
+            <a:effectRef idx="0">
+              <a:schemeClr val="accent1"/>
+            </a:effectRef>
+            <a:fontRef idx="minor">
+              <a:schemeClr val="lt1"/>
+            </a:fontRef>
+          </p:style>
+          <p:txBody>
+            <a:bodyPr rtlCol="0" anchor="ctr"/>
+            <a:lstStyle/>
+            <a:p>
+              <a:pPr algn="ctr"/>
+              <a:endParaRPr lang="it-IT" dirty="0"/>
+            </a:p>
+          </p:txBody>
+        </p:sp>
+      </p:grpSp>
+      <p:sp>
+        <p:nvSpPr>
+          <p:cNvPr id="58" name="CasellaDiTesto 57">
+            <a:extLst>
+              <a:ext uri="{FF2B5EF4-FFF2-40B4-BE49-F238E27FC236}">
+                <a16:creationId xmlns:a16="http://schemas.microsoft.com/office/drawing/2014/main" id="{0664A3FE-9C84-A7FA-2B2D-E30D560CAB40}"/>
+              </a:ext>
+            </a:extLst>
+          </p:cNvPr>
+          <p:cNvSpPr txBox="1"/>
+          <p:nvPr/>
+        </p:nvSpPr>
+        <p:spPr>
+          <a:xfrm>
+            <a:off x="7852470" y="3630343"/>
+            <a:ext cx="3362959" cy="369332"/>
+          </a:xfrm>
+          <a:prstGeom prst="rect">
+            <a:avLst/>
+          </a:prstGeom>
+          <a:noFill/>
+        </p:spPr>
+        <p:txBody>
+          <a:bodyPr wrap="square" rtlCol="0">
+            <a:spAutoFit/>
+          </a:bodyPr>
+          <a:lstStyle/>
+          <a:p>
+            <a:pPr algn="ctr"/>
+            <a:r>
+              <a:rPr lang="it-IT" b="1" dirty="0">
+                <a:solidFill>
+                  <a:schemeClr val="bg1"/>
+                </a:solidFill>
+              </a:rPr>
+              <a:t>CIM Compliance</a:t>
+            </a:r>
+          </a:p>
+        </p:txBody>
+      </p:sp>
+      <p:sp>
+        <p:nvSpPr>
+          <p:cNvPr id="59" name="CasellaDiTesto 58">
+            <a:extLst>
+              <a:ext uri="{FF2B5EF4-FFF2-40B4-BE49-F238E27FC236}">
+                <a16:creationId xmlns:a16="http://schemas.microsoft.com/office/drawing/2014/main" id="{1C23D67B-7E55-E319-3E2F-A9FEBCA4A076}"/>
+              </a:ext>
+            </a:extLst>
+          </p:cNvPr>
+          <p:cNvSpPr txBox="1"/>
+          <p:nvPr/>
+        </p:nvSpPr>
+        <p:spPr>
+          <a:xfrm>
+            <a:off x="8350397" y="4135512"/>
+            <a:ext cx="2330686" cy="461665"/>
+          </a:xfrm>
+          <a:prstGeom prst="rect">
+            <a:avLst/>
+          </a:prstGeom>
+          <a:noFill/>
+        </p:spPr>
+        <p:txBody>
+          <a:bodyPr wrap="square" rtlCol="0">
+            <a:spAutoFit/>
+          </a:bodyPr>
+          <a:lstStyle/>
+          <a:p>
+            <a:pPr algn="ctr"/>
+            <a:r>
+              <a:rPr lang="en-US" sz="1200" b="0" i="0" dirty="0">
+                <a:solidFill>
+                  <a:srgbClr val="F0F6FC"/>
+                </a:solidFill>
+                <a:effectLst/>
+                <a:latin typeface="-apple-system"/>
+              </a:rPr>
+              <a:t>Fully compatible with Splunk's Common Information Model</a:t>
+            </a:r>
+            <a:endParaRPr lang="it-IT" sz="1200" dirty="0">
+              <a:solidFill>
+                <a:schemeClr val="bg1"/>
+              </a:solidFill>
+            </a:endParaRPr>
+          </a:p>
+        </p:txBody>
+      </p:sp>
+      <p:grpSp>
+        <p:nvGrpSpPr>
+          <p:cNvPr id="67" name="Gruppo 66">
+            <a:extLst>
+              <a:ext uri="{FF2B5EF4-FFF2-40B4-BE49-F238E27FC236}">
+                <a16:creationId xmlns:a16="http://schemas.microsoft.com/office/drawing/2014/main" id="{56D97C02-495B-1587-F15D-9964E4C02CF3}"/>
+              </a:ext>
+            </a:extLst>
+          </p:cNvPr>
+          <p:cNvGrpSpPr/>
+          <p:nvPr/>
+        </p:nvGrpSpPr>
+        <p:grpSpPr>
+          <a:xfrm>
+            <a:off x="1003464" y="2134615"/>
+            <a:ext cx="3362959" cy="1313218"/>
+            <a:chOff x="1701101" y="1802916"/>
+            <a:chExt cx="8886021" cy="3784578"/>
+          </a:xfrm>
+        </p:grpSpPr>
+        <p:sp>
+          <p:nvSpPr>
+            <p:cNvPr id="68" name="Rettangolo con angoli arrotondati 67">
+              <a:extLst>
+                <a:ext uri="{FF2B5EF4-FFF2-40B4-BE49-F238E27FC236}">
+                  <a16:creationId xmlns:a16="http://schemas.microsoft.com/office/drawing/2014/main" id="{A6B459E9-0F4B-212B-280B-F0280A83162A}"/>
+                </a:ext>
+              </a:extLst>
+            </p:cNvPr>
+            <p:cNvSpPr/>
+            <p:nvPr/>
+          </p:nvSpPr>
+          <p:spPr>
+            <a:xfrm>
+              <a:off x="1797325" y="1897480"/>
+              <a:ext cx="8789797" cy="3690014"/>
+            </a:xfrm>
+            <a:prstGeom prst="roundRect">
+              <a:avLst/>
+            </a:prstGeom>
+            <a:solidFill>
+              <a:schemeClr val="tx1"/>
+            </a:solidFill>
+            <a:ln>
+              <a:solidFill>
+                <a:schemeClr val="tx1"/>
+              </a:solidFill>
+            </a:ln>
+          </p:spPr>
+          <p:style>
+            <a:lnRef idx="2">
+              <a:schemeClr val="accent1">
+                <a:shade val="15000"/>
+              </a:schemeClr>
+            </a:lnRef>
+            <a:fillRef idx="1">
+              <a:schemeClr val="accent1"/>
+            </a:fillRef>
+            <a:effectRef idx="0">
+              <a:schemeClr val="accent1"/>
+            </a:effectRef>
+            <a:fontRef idx="minor">
+              <a:schemeClr val="lt1"/>
+            </a:fontRef>
+          </p:style>
+          <p:txBody>
+            <a:bodyPr rtlCol="0" anchor="ctr"/>
+            <a:lstStyle/>
+            <a:p>
+              <a:pPr algn="ctr"/>
+              <a:endParaRPr lang="it-IT" dirty="0"/>
+            </a:p>
+          </p:txBody>
+        </p:sp>
+        <p:sp>
+          <p:nvSpPr>
+            <p:cNvPr id="69" name="Rettangolo con angoli arrotondati 68">
+              <a:extLst>
+                <a:ext uri="{FF2B5EF4-FFF2-40B4-BE49-F238E27FC236}">
+                  <a16:creationId xmlns:a16="http://schemas.microsoft.com/office/drawing/2014/main" id="{39CED0EC-AEBF-A18E-F9F9-D70452F9B265}"/>
                 </a:ext>
               </a:extLst>
             </p:cNvPr>
@@ -4986,10 +5685,10 @@
       </p:grpSp>
       <p:grpSp>
         <p:nvGrpSpPr>
-          <p:cNvPr id="16" name="Gruppo 15">
-            <a:extLst>
-              <a:ext uri="{FF2B5EF4-FFF2-40B4-BE49-F238E27FC236}">
-                <a16:creationId xmlns:a16="http://schemas.microsoft.com/office/drawing/2014/main" id="{85D725C4-37FD-4BCB-C4A9-3EB316F52607}"/>
+          <p:cNvPr id="70" name="Gruppo 69">
+            <a:extLst>
+              <a:ext uri="{FF2B5EF4-FFF2-40B4-BE49-F238E27FC236}">
+                <a16:creationId xmlns:a16="http://schemas.microsoft.com/office/drawing/2014/main" id="{2D31ACAB-2EA6-F5FB-B8CC-5BCD503D3C77}"/>
               </a:ext>
             </a:extLst>
           </p:cNvPr>
@@ -4998,18 +5697,18 @@
         </p:nvGrpSpPr>
         <p:grpSpPr>
           <a:xfrm>
-            <a:off x="2714832" y="4859589"/>
-            <a:ext cx="3362959" cy="830997"/>
+            <a:off x="1003464" y="4958669"/>
+            <a:ext cx="3362959" cy="1280405"/>
             <a:chOff x="1701101" y="1802916"/>
             <a:chExt cx="8886021" cy="3784578"/>
           </a:xfrm>
         </p:grpSpPr>
         <p:sp>
           <p:nvSpPr>
-            <p:cNvPr id="17" name="Rettangolo con angoli arrotondati 16">
+            <p:cNvPr id="71" name="Rettangolo con angoli arrotondati 70">
               <a:extLst>
                 <a:ext uri="{FF2B5EF4-FFF2-40B4-BE49-F238E27FC236}">
-                  <a16:creationId xmlns:a16="http://schemas.microsoft.com/office/drawing/2014/main" id="{DE8BF97E-BA59-99F5-1FE2-6CF444C3A763}"/>
+                  <a16:creationId xmlns:a16="http://schemas.microsoft.com/office/drawing/2014/main" id="{837A7229-9D28-0256-387C-D03F33ECD3FF}"/>
                 </a:ext>
               </a:extLst>
             </p:cNvPr>
@@ -5060,397 +5759,10 @@
         </p:sp>
         <p:sp>
           <p:nvSpPr>
-            <p:cNvPr id="18" name="Rettangolo con angoli arrotondati 17">
+            <p:cNvPr id="72" name="Rettangolo con angoli arrotondati 71">
               <a:extLst>
                 <a:ext uri="{FF2B5EF4-FFF2-40B4-BE49-F238E27FC236}">
-                  <a16:creationId xmlns:a16="http://schemas.microsoft.com/office/drawing/2014/main" id="{9B19378F-5B1A-F04E-0834-04702E4077B4}"/>
-                </a:ext>
-              </a:extLst>
-            </p:cNvPr>
-            <p:cNvSpPr/>
-            <p:nvPr/>
-          </p:nvSpPr>
-          <p:spPr>
-            <a:xfrm>
-              <a:off x="1701101" y="1802916"/>
-              <a:ext cx="8789797" cy="3690014"/>
-            </a:xfrm>
-            <a:prstGeom prst="roundRect">
-              <a:avLst/>
-            </a:prstGeom>
-            <a:solidFill>
-              <a:srgbClr val="012F5F"/>
-            </a:solidFill>
-            <a:ln>
-              <a:solidFill>
-                <a:srgbClr val="012F5F"/>
-              </a:solidFill>
-            </a:ln>
-          </p:spPr>
-          <p:style>
-            <a:lnRef idx="2">
-              <a:schemeClr val="accent1">
-                <a:shade val="15000"/>
-              </a:schemeClr>
-            </a:lnRef>
-            <a:fillRef idx="1">
-              <a:schemeClr val="accent1"/>
-            </a:fillRef>
-            <a:effectRef idx="0">
-              <a:schemeClr val="accent1"/>
-            </a:effectRef>
-            <a:fontRef idx="minor">
-              <a:schemeClr val="lt1"/>
-            </a:fontRef>
-          </p:style>
-          <p:txBody>
-            <a:bodyPr rtlCol="0" anchor="ctr"/>
-            <a:lstStyle/>
-            <a:p>
-              <a:pPr algn="ctr"/>
-              <a:endParaRPr lang="it-IT" dirty="0"/>
-            </a:p>
-          </p:txBody>
-        </p:sp>
-      </p:grpSp>
-      <p:grpSp>
-        <p:nvGrpSpPr>
-          <p:cNvPr id="19" name="Gruppo 18">
-            <a:extLst>
-              <a:ext uri="{FF2B5EF4-FFF2-40B4-BE49-F238E27FC236}">
-                <a16:creationId xmlns:a16="http://schemas.microsoft.com/office/drawing/2014/main" id="{AAC35536-4403-D526-AC8D-1D29DD4BA406}"/>
-              </a:ext>
-            </a:extLst>
-          </p:cNvPr>
-          <p:cNvGrpSpPr/>
-          <p:nvPr/>
-        </p:nvGrpSpPr>
-        <p:grpSpPr>
-          <a:xfrm>
-            <a:off x="6337632" y="2723899"/>
-            <a:ext cx="3362959" cy="830997"/>
-            <a:chOff x="1701101" y="1802916"/>
-            <a:chExt cx="8886021" cy="3784578"/>
-          </a:xfrm>
-        </p:grpSpPr>
-        <p:sp>
-          <p:nvSpPr>
-            <p:cNvPr id="20" name="Rettangolo con angoli arrotondati 19">
-              <a:extLst>
-                <a:ext uri="{FF2B5EF4-FFF2-40B4-BE49-F238E27FC236}">
-                  <a16:creationId xmlns:a16="http://schemas.microsoft.com/office/drawing/2014/main" id="{9E0FBA23-C069-5BCF-B4EB-F7FB3DE601A7}"/>
-                </a:ext>
-              </a:extLst>
-            </p:cNvPr>
-            <p:cNvSpPr/>
-            <p:nvPr/>
-          </p:nvSpPr>
-          <p:spPr>
-            <a:xfrm>
-              <a:off x="1797325" y="1897480"/>
-              <a:ext cx="8789797" cy="3690014"/>
-            </a:xfrm>
-            <a:prstGeom prst="roundRect">
-              <a:avLst/>
-            </a:prstGeom>
-            <a:solidFill>
-              <a:schemeClr val="tx1"/>
-            </a:solidFill>
-            <a:ln>
-              <a:solidFill>
-                <a:schemeClr val="tx1"/>
-              </a:solidFill>
-            </a:ln>
-          </p:spPr>
-          <p:style>
-            <a:lnRef idx="2">
-              <a:schemeClr val="accent1">
-                <a:shade val="15000"/>
-              </a:schemeClr>
-            </a:lnRef>
-            <a:fillRef idx="1">
-              <a:schemeClr val="accent1"/>
-            </a:fillRef>
-            <a:effectRef idx="0">
-              <a:schemeClr val="accent1"/>
-            </a:effectRef>
-            <a:fontRef idx="minor">
-              <a:schemeClr val="lt1"/>
-            </a:fontRef>
-          </p:style>
-          <p:txBody>
-            <a:bodyPr rtlCol="0" anchor="ctr"/>
-            <a:lstStyle/>
-            <a:p>
-              <a:pPr algn="ctr"/>
-              <a:endParaRPr lang="it-IT" dirty="0"/>
-            </a:p>
-          </p:txBody>
-        </p:sp>
-        <p:sp>
-          <p:nvSpPr>
-            <p:cNvPr id="21" name="Rettangolo con angoli arrotondati 20">
-              <a:extLst>
-                <a:ext uri="{FF2B5EF4-FFF2-40B4-BE49-F238E27FC236}">
-                  <a16:creationId xmlns:a16="http://schemas.microsoft.com/office/drawing/2014/main" id="{0ADB7800-05D4-426C-6E6E-C61C90EFD435}"/>
-                </a:ext>
-              </a:extLst>
-            </p:cNvPr>
-            <p:cNvSpPr/>
-            <p:nvPr/>
-          </p:nvSpPr>
-          <p:spPr>
-            <a:xfrm>
-              <a:off x="1701101" y="1802916"/>
-              <a:ext cx="8789797" cy="3690014"/>
-            </a:xfrm>
-            <a:prstGeom prst="roundRect">
-              <a:avLst/>
-            </a:prstGeom>
-            <a:solidFill>
-              <a:srgbClr val="012F5F"/>
-            </a:solidFill>
-            <a:ln>
-              <a:solidFill>
-                <a:srgbClr val="012F5F"/>
-              </a:solidFill>
-            </a:ln>
-          </p:spPr>
-          <p:style>
-            <a:lnRef idx="2">
-              <a:schemeClr val="accent1">
-                <a:shade val="15000"/>
-              </a:schemeClr>
-            </a:lnRef>
-            <a:fillRef idx="1">
-              <a:schemeClr val="accent1"/>
-            </a:fillRef>
-            <a:effectRef idx="0">
-              <a:schemeClr val="accent1"/>
-            </a:effectRef>
-            <a:fontRef idx="minor">
-              <a:schemeClr val="lt1"/>
-            </a:fontRef>
-          </p:style>
-          <p:txBody>
-            <a:bodyPr rtlCol="0" anchor="ctr"/>
-            <a:lstStyle/>
-            <a:p>
-              <a:pPr algn="ctr"/>
-              <a:endParaRPr lang="it-IT" dirty="0"/>
-            </a:p>
-          </p:txBody>
-        </p:sp>
-      </p:grpSp>
-      <p:grpSp>
-        <p:nvGrpSpPr>
-          <p:cNvPr id="22" name="Gruppo 21">
-            <a:extLst>
-              <a:ext uri="{FF2B5EF4-FFF2-40B4-BE49-F238E27FC236}">
-                <a16:creationId xmlns:a16="http://schemas.microsoft.com/office/drawing/2014/main" id="{AD169658-51BE-C41E-D7B0-687BDA6E4319}"/>
-              </a:ext>
-            </a:extLst>
-          </p:cNvPr>
-          <p:cNvGrpSpPr/>
-          <p:nvPr/>
-        </p:nvGrpSpPr>
-        <p:grpSpPr>
-          <a:xfrm>
-            <a:off x="6319423" y="3782371"/>
-            <a:ext cx="3362959" cy="830997"/>
-            <a:chOff x="1701101" y="1802916"/>
-            <a:chExt cx="8886021" cy="3784578"/>
-          </a:xfrm>
-        </p:grpSpPr>
-        <p:sp>
-          <p:nvSpPr>
-            <p:cNvPr id="23" name="Rettangolo con angoli arrotondati 22">
-              <a:extLst>
-                <a:ext uri="{FF2B5EF4-FFF2-40B4-BE49-F238E27FC236}">
-                  <a16:creationId xmlns:a16="http://schemas.microsoft.com/office/drawing/2014/main" id="{856D58D9-52D9-F32A-28D5-10E73028109F}"/>
-                </a:ext>
-              </a:extLst>
-            </p:cNvPr>
-            <p:cNvSpPr/>
-            <p:nvPr/>
-          </p:nvSpPr>
-          <p:spPr>
-            <a:xfrm>
-              <a:off x="1797325" y="1897480"/>
-              <a:ext cx="8789797" cy="3690014"/>
-            </a:xfrm>
-            <a:prstGeom prst="roundRect">
-              <a:avLst/>
-            </a:prstGeom>
-            <a:solidFill>
-              <a:schemeClr val="tx1"/>
-            </a:solidFill>
-            <a:ln>
-              <a:solidFill>
-                <a:schemeClr val="tx1"/>
-              </a:solidFill>
-            </a:ln>
-          </p:spPr>
-          <p:style>
-            <a:lnRef idx="2">
-              <a:schemeClr val="accent1">
-                <a:shade val="15000"/>
-              </a:schemeClr>
-            </a:lnRef>
-            <a:fillRef idx="1">
-              <a:schemeClr val="accent1"/>
-            </a:fillRef>
-            <a:effectRef idx="0">
-              <a:schemeClr val="accent1"/>
-            </a:effectRef>
-            <a:fontRef idx="minor">
-              <a:schemeClr val="lt1"/>
-            </a:fontRef>
-          </p:style>
-          <p:txBody>
-            <a:bodyPr rtlCol="0" anchor="ctr"/>
-            <a:lstStyle/>
-            <a:p>
-              <a:pPr algn="ctr"/>
-              <a:endParaRPr lang="it-IT" dirty="0"/>
-            </a:p>
-          </p:txBody>
-        </p:sp>
-        <p:sp>
-          <p:nvSpPr>
-            <p:cNvPr id="24" name="Rettangolo con angoli arrotondati 23">
-              <a:extLst>
-                <a:ext uri="{FF2B5EF4-FFF2-40B4-BE49-F238E27FC236}">
-                  <a16:creationId xmlns:a16="http://schemas.microsoft.com/office/drawing/2014/main" id="{461C0F31-04D6-A1C0-BCEC-86286EBF9CA6}"/>
-                </a:ext>
-              </a:extLst>
-            </p:cNvPr>
-            <p:cNvSpPr/>
-            <p:nvPr/>
-          </p:nvSpPr>
-          <p:spPr>
-            <a:xfrm>
-              <a:off x="1701101" y="1802916"/>
-              <a:ext cx="8789797" cy="3690014"/>
-            </a:xfrm>
-            <a:prstGeom prst="roundRect">
-              <a:avLst/>
-            </a:prstGeom>
-            <a:solidFill>
-              <a:srgbClr val="012F5F"/>
-            </a:solidFill>
-            <a:ln>
-              <a:solidFill>
-                <a:srgbClr val="012F5F"/>
-              </a:solidFill>
-            </a:ln>
-          </p:spPr>
-          <p:style>
-            <a:lnRef idx="2">
-              <a:schemeClr val="accent1">
-                <a:shade val="15000"/>
-              </a:schemeClr>
-            </a:lnRef>
-            <a:fillRef idx="1">
-              <a:schemeClr val="accent1"/>
-            </a:fillRef>
-            <a:effectRef idx="0">
-              <a:schemeClr val="accent1"/>
-            </a:effectRef>
-            <a:fontRef idx="minor">
-              <a:schemeClr val="lt1"/>
-            </a:fontRef>
-          </p:style>
-          <p:txBody>
-            <a:bodyPr rtlCol="0" anchor="ctr"/>
-            <a:lstStyle/>
-            <a:p>
-              <a:pPr algn="ctr"/>
-              <a:endParaRPr lang="it-IT" dirty="0"/>
-            </a:p>
-          </p:txBody>
-        </p:sp>
-      </p:grpSp>
-      <p:grpSp>
-        <p:nvGrpSpPr>
-          <p:cNvPr id="25" name="Gruppo 24">
-            <a:extLst>
-              <a:ext uri="{FF2B5EF4-FFF2-40B4-BE49-F238E27FC236}">
-                <a16:creationId xmlns:a16="http://schemas.microsoft.com/office/drawing/2014/main" id="{B2EAFDBE-CF60-CD4C-BB5C-3AF7029F6700}"/>
-              </a:ext>
-            </a:extLst>
-          </p:cNvPr>
-          <p:cNvGrpSpPr/>
-          <p:nvPr/>
-        </p:nvGrpSpPr>
-        <p:grpSpPr>
-          <a:xfrm>
-            <a:off x="6319423" y="4859589"/>
-            <a:ext cx="3362959" cy="830997"/>
-            <a:chOff x="1701101" y="1802916"/>
-            <a:chExt cx="8886021" cy="3784578"/>
-          </a:xfrm>
-        </p:grpSpPr>
-        <p:sp>
-          <p:nvSpPr>
-            <p:cNvPr id="26" name="Rettangolo con angoli arrotondati 25">
-              <a:extLst>
-                <a:ext uri="{FF2B5EF4-FFF2-40B4-BE49-F238E27FC236}">
-                  <a16:creationId xmlns:a16="http://schemas.microsoft.com/office/drawing/2014/main" id="{C1C88557-10A4-A7C6-E951-903B6929E13E}"/>
-                </a:ext>
-              </a:extLst>
-            </p:cNvPr>
-            <p:cNvSpPr/>
-            <p:nvPr/>
-          </p:nvSpPr>
-          <p:spPr>
-            <a:xfrm>
-              <a:off x="1797325" y="1897480"/>
-              <a:ext cx="8789797" cy="3690014"/>
-            </a:xfrm>
-            <a:prstGeom prst="roundRect">
-              <a:avLst/>
-            </a:prstGeom>
-            <a:solidFill>
-              <a:schemeClr val="tx1"/>
-            </a:solidFill>
-            <a:ln>
-              <a:solidFill>
-                <a:schemeClr val="tx1"/>
-              </a:solidFill>
-            </a:ln>
-          </p:spPr>
-          <p:style>
-            <a:lnRef idx="2">
-              <a:schemeClr val="accent1">
-                <a:shade val="15000"/>
-              </a:schemeClr>
-            </a:lnRef>
-            <a:fillRef idx="1">
-              <a:schemeClr val="accent1"/>
-            </a:fillRef>
-            <a:effectRef idx="0">
-              <a:schemeClr val="accent1"/>
-            </a:effectRef>
-            <a:fontRef idx="minor">
-              <a:schemeClr val="lt1"/>
-            </a:fontRef>
-          </p:style>
-          <p:txBody>
-            <a:bodyPr rtlCol="0" anchor="ctr"/>
-            <a:lstStyle/>
-            <a:p>
-              <a:pPr algn="ctr"/>
-              <a:endParaRPr lang="it-IT" dirty="0"/>
-            </a:p>
-          </p:txBody>
-        </p:sp>
-        <p:sp>
-          <p:nvSpPr>
-            <p:cNvPr id="27" name="Rettangolo con angoli arrotondati 26">
-              <a:extLst>
-                <a:ext uri="{FF2B5EF4-FFF2-40B4-BE49-F238E27FC236}">
-                  <a16:creationId xmlns:a16="http://schemas.microsoft.com/office/drawing/2014/main" id="{C96ECB36-072B-E814-DBD5-7B1B340EED31}"/>
+                  <a16:creationId xmlns:a16="http://schemas.microsoft.com/office/drawing/2014/main" id="{FE56195E-8937-6D8A-21DF-33E32BFD2A90}"/>
                 </a:ext>
               </a:extLst>
             </p:cNvPr>
@@ -5502,10 +5814,10 @@
       </p:grpSp>
       <p:sp>
         <p:nvSpPr>
-          <p:cNvPr id="28" name="CasellaDiTesto 27">
-            <a:extLst>
-              <a:ext uri="{FF2B5EF4-FFF2-40B4-BE49-F238E27FC236}">
-                <a16:creationId xmlns:a16="http://schemas.microsoft.com/office/drawing/2014/main" id="{9E20CD36-22B1-4EF0-D2AF-43A4479ADFEC}"/>
+          <p:cNvPr id="73" name="CasellaDiTesto 72">
+            <a:extLst>
+              <a:ext uri="{FF2B5EF4-FFF2-40B4-BE49-F238E27FC236}">
+                <a16:creationId xmlns:a16="http://schemas.microsoft.com/office/drawing/2014/main" id="{BB54AF6B-E5BC-683B-5823-243265563479}"/>
               </a:ext>
             </a:extLst>
           </p:cNvPr>
@@ -5514,8 +5826,8 @@
         </p:nvSpPr>
         <p:spPr>
           <a:xfrm>
-            <a:off x="2714832" y="2944349"/>
-            <a:ext cx="3344752" cy="369332"/>
+            <a:off x="1003464" y="2218587"/>
+            <a:ext cx="3362959" cy="369332"/>
           </a:xfrm>
           <a:prstGeom prst="rect">
             <a:avLst/>
@@ -5535,17 +5847,30 @@
                   <a:schemeClr val="bg1"/>
                 </a:solidFill>
               </a:rPr>
-              <a:t>Real-time Detection</a:t>
-            </a:r>
+              <a:t>Real-time </a:t>
+            </a:r>
+            <a:r>
+              <a:rPr lang="it-IT" b="1" dirty="0" err="1">
+                <a:solidFill>
+                  <a:schemeClr val="bg1"/>
+                </a:solidFill>
+              </a:rPr>
+              <a:t>Detection</a:t>
+            </a:r>
+            <a:endParaRPr lang="it-IT" b="1" dirty="0">
+              <a:solidFill>
+                <a:schemeClr val="bg1"/>
+              </a:solidFill>
+            </a:endParaRPr>
           </a:p>
         </p:txBody>
       </p:sp>
       <p:sp>
         <p:nvSpPr>
-          <p:cNvPr id="29" name="CasellaDiTesto 28">
-            <a:extLst>
-              <a:ext uri="{FF2B5EF4-FFF2-40B4-BE49-F238E27FC236}">
-                <a16:creationId xmlns:a16="http://schemas.microsoft.com/office/drawing/2014/main" id="{58D980DA-F142-9270-72AC-F41B08037022}"/>
+          <p:cNvPr id="74" name="CasellaDiTesto 73">
+            <a:extLst>
+              <a:ext uri="{FF2B5EF4-FFF2-40B4-BE49-F238E27FC236}">
+                <a16:creationId xmlns:a16="http://schemas.microsoft.com/office/drawing/2014/main" id="{4C2814E7-A92F-2C1E-299D-B14BBE3E4D9F}"/>
               </a:ext>
             </a:extLst>
           </p:cNvPr>
@@ -5554,7 +5879,7 @@
         </p:nvSpPr>
         <p:spPr>
           <a:xfrm>
-            <a:off x="6319423" y="2944349"/>
+            <a:off x="1003464" y="5007859"/>
             <a:ext cx="3362959" cy="369332"/>
           </a:xfrm>
           <a:prstGeom prst="rect">
@@ -5570,22 +5895,30 @@
           <a:p>
             <a:pPr algn="ctr"/>
             <a:r>
+              <a:rPr lang="it-IT" b="1" dirty="0" err="1">
+                <a:solidFill>
+                  <a:schemeClr val="bg1"/>
+                </a:solidFill>
+              </a:rPr>
+              <a:t>Splunk</a:t>
+            </a:r>
+            <a:r>
               <a:rPr lang="it-IT" b="1" dirty="0">
                 <a:solidFill>
                   <a:schemeClr val="bg1"/>
                 </a:solidFill>
               </a:rPr>
-              <a:t>Comprehensive Analysis</a:t>
+              <a:t> MLTK Integration</a:t>
             </a:r>
           </a:p>
         </p:txBody>
       </p:sp>
       <p:sp>
         <p:nvSpPr>
-          <p:cNvPr id="30" name="CasellaDiTesto 29">
-            <a:extLst>
-              <a:ext uri="{FF2B5EF4-FFF2-40B4-BE49-F238E27FC236}">
-                <a16:creationId xmlns:a16="http://schemas.microsoft.com/office/drawing/2014/main" id="{EDCF43C8-9D87-79F4-3C0C-21B7D7AEF429}"/>
+          <p:cNvPr id="75" name="CasellaDiTesto 74">
+            <a:extLst>
+              <a:ext uri="{FF2B5EF4-FFF2-40B4-BE49-F238E27FC236}">
+                <a16:creationId xmlns:a16="http://schemas.microsoft.com/office/drawing/2014/main" id="{B9E9472E-FE87-2CE7-F1F7-CEFB05F20671}"/>
               </a:ext>
             </a:extLst>
           </p:cNvPr>
@@ -5594,8 +5927,8 @@
         </p:nvSpPr>
         <p:spPr>
           <a:xfrm>
-            <a:off x="2714832" y="3982440"/>
-            <a:ext cx="3344752" cy="369332"/>
+            <a:off x="1501391" y="2644850"/>
+            <a:ext cx="2330686" cy="646331"/>
           </a:xfrm>
           <a:prstGeom prst="rect">
             <a:avLst/>
@@ -5610,22 +5943,29 @@
           <a:p>
             <a:pPr algn="ctr"/>
             <a:r>
-              <a:rPr lang="it-IT" b="1" dirty="0">
+              <a:rPr lang="en-US" sz="1200" b="0" i="0" dirty="0">
                 <a:solidFill>
-                  <a:schemeClr val="bg1"/>
+                  <a:srgbClr val="F0F6FC"/>
                 </a:solidFill>
+                <a:effectLst/>
+                <a:latin typeface="-apple-system"/>
               </a:rPr>
-              <a:t>Splunk MLTK Integration</a:t>
-            </a:r>
+              <a:t>Continuous monitoring of DNS traffic for immediate threat identification</a:t>
+            </a:r>
+            <a:endParaRPr lang="it-IT" sz="1200" dirty="0">
+              <a:solidFill>
+                <a:schemeClr val="bg1"/>
+              </a:solidFill>
+            </a:endParaRPr>
           </a:p>
         </p:txBody>
       </p:sp>
       <p:sp>
         <p:nvSpPr>
-          <p:cNvPr id="31" name="CasellaDiTesto 30">
-            <a:extLst>
-              <a:ext uri="{FF2B5EF4-FFF2-40B4-BE49-F238E27FC236}">
-                <a16:creationId xmlns:a16="http://schemas.microsoft.com/office/drawing/2014/main" id="{49EA0B01-CF93-B8B9-AC72-8F26F38F6CCF}"/>
+          <p:cNvPr id="76" name="CasellaDiTesto 75">
+            <a:extLst>
+              <a:ext uri="{FF2B5EF4-FFF2-40B4-BE49-F238E27FC236}">
+                <a16:creationId xmlns:a16="http://schemas.microsoft.com/office/drawing/2014/main" id="{F6A92CEC-1BEB-A208-3AA1-C5972DC12C91}"/>
               </a:ext>
             </a:extLst>
           </p:cNvPr>
@@ -5634,8 +5974,8 @@
         </p:nvSpPr>
         <p:spPr>
           <a:xfrm>
-            <a:off x="6319423" y="3982440"/>
-            <a:ext cx="3362959" cy="369332"/>
+            <a:off x="1337833" y="5508264"/>
+            <a:ext cx="2644817" cy="461665"/>
           </a:xfrm>
           <a:prstGeom prst="rect">
             <a:avLst/>
@@ -5650,22 +5990,158 @@
           <a:p>
             <a:pPr algn="ctr"/>
             <a:r>
-              <a:rPr lang="it-IT" b="1" dirty="0">
+              <a:rPr lang="en-US" sz="1200" b="0" i="0" dirty="0">
                 <a:solidFill>
-                  <a:schemeClr val="bg1"/>
+                  <a:srgbClr val="F0F6FC"/>
                 </a:solidFill>
+                <a:effectLst/>
+                <a:latin typeface="-apple-system"/>
               </a:rPr>
-              <a:t>Enterprise-Ready</a:t>
-            </a:r>
+              <a:t>Advanced algorithms for pattern recognition and anomaly detection</a:t>
+            </a:r>
+            <a:endParaRPr lang="it-IT" sz="1200" dirty="0">
+              <a:solidFill>
+                <a:schemeClr val="bg1"/>
+              </a:solidFill>
+            </a:endParaRPr>
           </a:p>
         </p:txBody>
       </p:sp>
+      <p:grpSp>
+        <p:nvGrpSpPr>
+          <p:cNvPr id="77" name="Gruppo 76">
+            <a:extLst>
+              <a:ext uri="{FF2B5EF4-FFF2-40B4-BE49-F238E27FC236}">
+                <a16:creationId xmlns:a16="http://schemas.microsoft.com/office/drawing/2014/main" id="{328226F1-2C29-59CC-1D9D-52C327CCD54D}"/>
+              </a:ext>
+            </a:extLst>
+          </p:cNvPr>
+          <p:cNvGrpSpPr/>
+          <p:nvPr/>
+        </p:nvGrpSpPr>
+        <p:grpSpPr>
+          <a:xfrm>
+            <a:off x="1003464" y="3546371"/>
+            <a:ext cx="3362959" cy="1313218"/>
+            <a:chOff x="1701101" y="1802916"/>
+            <a:chExt cx="8886021" cy="3784578"/>
+          </a:xfrm>
+        </p:grpSpPr>
+        <p:sp>
+          <p:nvSpPr>
+            <p:cNvPr id="78" name="Rettangolo con angoli arrotondati 77">
+              <a:extLst>
+                <a:ext uri="{FF2B5EF4-FFF2-40B4-BE49-F238E27FC236}">
+                  <a16:creationId xmlns:a16="http://schemas.microsoft.com/office/drawing/2014/main" id="{B8549DC8-5391-7B7F-5F4A-FE71BE4005FA}"/>
+                </a:ext>
+              </a:extLst>
+            </p:cNvPr>
+            <p:cNvSpPr/>
+            <p:nvPr/>
+          </p:nvSpPr>
+          <p:spPr>
+            <a:xfrm>
+              <a:off x="1797325" y="1897480"/>
+              <a:ext cx="8789797" cy="3690014"/>
+            </a:xfrm>
+            <a:prstGeom prst="roundRect">
+              <a:avLst/>
+            </a:prstGeom>
+            <a:solidFill>
+              <a:schemeClr val="tx1"/>
+            </a:solidFill>
+            <a:ln>
+              <a:solidFill>
+                <a:schemeClr val="tx1"/>
+              </a:solidFill>
+            </a:ln>
+          </p:spPr>
+          <p:style>
+            <a:lnRef idx="2">
+              <a:schemeClr val="accent1">
+                <a:shade val="15000"/>
+              </a:schemeClr>
+            </a:lnRef>
+            <a:fillRef idx="1">
+              <a:schemeClr val="accent1"/>
+            </a:fillRef>
+            <a:effectRef idx="0">
+              <a:schemeClr val="accent1"/>
+            </a:effectRef>
+            <a:fontRef idx="minor">
+              <a:schemeClr val="lt1"/>
+            </a:fontRef>
+          </p:style>
+          <p:txBody>
+            <a:bodyPr rtlCol="0" anchor="ctr"/>
+            <a:lstStyle/>
+            <a:p>
+              <a:pPr algn="ctr"/>
+              <a:endParaRPr lang="it-IT" dirty="0"/>
+            </a:p>
+          </p:txBody>
+        </p:sp>
+        <p:sp>
+          <p:nvSpPr>
+            <p:cNvPr id="79" name="Rettangolo con angoli arrotondati 78">
+              <a:extLst>
+                <a:ext uri="{FF2B5EF4-FFF2-40B4-BE49-F238E27FC236}">
+                  <a16:creationId xmlns:a16="http://schemas.microsoft.com/office/drawing/2014/main" id="{A0512D8B-D0A4-AE74-AB68-A2D441C70916}"/>
+                </a:ext>
+              </a:extLst>
+            </p:cNvPr>
+            <p:cNvSpPr/>
+            <p:nvPr/>
+          </p:nvSpPr>
+          <p:spPr>
+            <a:xfrm>
+              <a:off x="1701101" y="1802916"/>
+              <a:ext cx="8789797" cy="3690014"/>
+            </a:xfrm>
+            <a:prstGeom prst="roundRect">
+              <a:avLst/>
+            </a:prstGeom>
+            <a:solidFill>
+              <a:srgbClr val="012F5F"/>
+            </a:solidFill>
+            <a:ln>
+              <a:solidFill>
+                <a:srgbClr val="012F5F"/>
+              </a:solidFill>
+            </a:ln>
+          </p:spPr>
+          <p:style>
+            <a:lnRef idx="2">
+              <a:schemeClr val="accent1">
+                <a:shade val="15000"/>
+              </a:schemeClr>
+            </a:lnRef>
+            <a:fillRef idx="1">
+              <a:schemeClr val="accent1"/>
+            </a:fillRef>
+            <a:effectRef idx="0">
+              <a:schemeClr val="accent1"/>
+            </a:effectRef>
+            <a:fontRef idx="minor">
+              <a:schemeClr val="lt1"/>
+            </a:fontRef>
+          </p:style>
+          <p:txBody>
+            <a:bodyPr rtlCol="0" anchor="ctr"/>
+            <a:lstStyle/>
+            <a:p>
+              <a:pPr algn="ctr"/>
+              <a:endParaRPr lang="it-IT" dirty="0"/>
+            </a:p>
+          </p:txBody>
+        </p:sp>
+      </p:grpSp>
       <p:sp>
         <p:nvSpPr>
-          <p:cNvPr id="32" name="CasellaDiTesto 31">
-            <a:extLst>
-              <a:ext uri="{FF2B5EF4-FFF2-40B4-BE49-F238E27FC236}">
-                <a16:creationId xmlns:a16="http://schemas.microsoft.com/office/drawing/2014/main" id="{6F926018-CEBA-8F6D-1ACD-8668A33DE62E}"/>
+          <p:cNvPr id="80" name="CasellaDiTesto 79">
+            <a:extLst>
+              <a:ext uri="{FF2B5EF4-FFF2-40B4-BE49-F238E27FC236}">
+                <a16:creationId xmlns:a16="http://schemas.microsoft.com/office/drawing/2014/main" id="{0966BEEF-CCE7-920E-00D4-22053BC5BB58}"/>
               </a:ext>
             </a:extLst>
           </p:cNvPr>
@@ -5674,8 +6150,8 @@
         </p:nvSpPr>
         <p:spPr>
           <a:xfrm>
-            <a:off x="2714832" y="5061294"/>
-            <a:ext cx="3344752" cy="369332"/>
+            <a:off x="1003464" y="3630343"/>
+            <a:ext cx="3362959" cy="369332"/>
           </a:xfrm>
           <a:prstGeom prst="rect">
             <a:avLst/>
@@ -5695,17 +6171,17 @@
                   <a:schemeClr val="bg1"/>
                 </a:solidFill>
               </a:rPr>
-              <a:t>CIM Compliance</a:t>
+              <a:t>Comprehensive Analysis</a:t>
             </a:r>
           </a:p>
         </p:txBody>
       </p:sp>
       <p:sp>
         <p:nvSpPr>
-          <p:cNvPr id="33" name="CasellaDiTesto 32">
-            <a:extLst>
-              <a:ext uri="{FF2B5EF4-FFF2-40B4-BE49-F238E27FC236}">
-                <a16:creationId xmlns:a16="http://schemas.microsoft.com/office/drawing/2014/main" id="{63250FE8-1C71-B36F-A183-06E04EB029AD}"/>
+          <p:cNvPr id="81" name="CasellaDiTesto 80">
+            <a:extLst>
+              <a:ext uri="{FF2B5EF4-FFF2-40B4-BE49-F238E27FC236}">
+                <a16:creationId xmlns:a16="http://schemas.microsoft.com/office/drawing/2014/main" id="{FAF683FE-822A-F49D-B59D-624619A167DE}"/>
               </a:ext>
             </a:extLst>
           </p:cNvPr>
@@ -5714,8 +6190,8 @@
         </p:nvSpPr>
         <p:spPr>
           <a:xfrm>
-            <a:off x="6319423" y="5061294"/>
-            <a:ext cx="3362959" cy="369332"/>
+            <a:off x="1501391" y="4043890"/>
+            <a:ext cx="2330686" cy="646331"/>
           </a:xfrm>
           <a:prstGeom prst="rect">
             <a:avLst/>
@@ -5730,12 +6206,152 @@
           <a:p>
             <a:pPr algn="ctr"/>
             <a:r>
-              <a:rPr lang="it-IT" b="1" dirty="0">
+              <a:rPr lang="en-US" sz="1200" b="0" i="0" dirty="0">
+                <a:solidFill>
+                  <a:srgbClr val="F0F6FC"/>
+                </a:solidFill>
+                <a:effectLst/>
+                <a:latin typeface="-apple-system"/>
+              </a:rPr>
+              <a:t>Multiple detection methods working in concert to identify various types of threats</a:t>
+            </a:r>
+            <a:endParaRPr lang="it-IT" sz="1200" dirty="0">
+              <a:solidFill>
+                <a:schemeClr val="bg1"/>
+              </a:solidFill>
+            </a:endParaRPr>
+          </a:p>
+        </p:txBody>
+      </p:sp>
+      <p:cxnSp>
+        <p:nvCxnSpPr>
+          <p:cNvPr id="82" name="Connettore a gomito 81">
+            <a:extLst>
+              <a:ext uri="{FF2B5EF4-FFF2-40B4-BE49-F238E27FC236}">
+                <a16:creationId xmlns:a16="http://schemas.microsoft.com/office/drawing/2014/main" id="{53741F7C-7E94-959F-3AEC-845246D949CE}"/>
+              </a:ext>
+            </a:extLst>
+          </p:cNvPr>
+          <p:cNvCxnSpPr>
+            <a:cxnSpLocks/>
+            <a:endCxn id="68" idx="3"/>
+          </p:cNvCxnSpPr>
+          <p:nvPr/>
+        </p:nvCxnSpPr>
+        <p:spPr>
+          <a:xfrm rot="10800000">
+            <a:off x="4366423" y="2807632"/>
+            <a:ext cx="658260" cy="1319875"/>
+          </a:xfrm>
+          <a:prstGeom prst="bentConnector3">
+            <a:avLst>
+              <a:gd name="adj1" fmla="val 50000"/>
+            </a:avLst>
+          </a:prstGeom>
+          <a:ln>
+            <a:solidFill>
+              <a:schemeClr val="bg1"/>
+            </a:solidFill>
+            <a:tailEnd type="triangle"/>
+          </a:ln>
+        </p:spPr>
+        <p:style>
+          <a:lnRef idx="2">
+            <a:schemeClr val="accent1"/>
+          </a:lnRef>
+          <a:fillRef idx="0">
+            <a:schemeClr val="accent1"/>
+          </a:fillRef>
+          <a:effectRef idx="1">
+            <a:schemeClr val="accent1"/>
+          </a:effectRef>
+          <a:fontRef idx="minor">
+            <a:schemeClr val="tx1"/>
+          </a:fontRef>
+        </p:style>
+      </p:cxnSp>
+      <p:cxnSp>
+        <p:nvCxnSpPr>
+          <p:cNvPr id="85" name="Connettore a gomito 84">
+            <a:extLst>
+              <a:ext uri="{FF2B5EF4-FFF2-40B4-BE49-F238E27FC236}">
+                <a16:creationId xmlns:a16="http://schemas.microsoft.com/office/drawing/2014/main" id="{48656BBA-9E64-0CD4-A579-40993706342E}"/>
+              </a:ext>
+            </a:extLst>
+          </p:cNvPr>
+          <p:cNvCxnSpPr>
+            <a:cxnSpLocks/>
+            <a:endCxn id="71" idx="3"/>
+          </p:cNvCxnSpPr>
+          <p:nvPr/>
+        </p:nvCxnSpPr>
+        <p:spPr>
+          <a:xfrm rot="10800000" flipV="1">
+            <a:off x="4366423" y="4127506"/>
+            <a:ext cx="658260" cy="1487362"/>
+          </a:xfrm>
+          <a:prstGeom prst="bentConnector3">
+            <a:avLst>
+              <a:gd name="adj1" fmla="val 50000"/>
+            </a:avLst>
+          </a:prstGeom>
+          <a:ln>
+            <a:solidFill>
+              <a:schemeClr val="bg1"/>
+            </a:solidFill>
+            <a:tailEnd type="triangle"/>
+          </a:ln>
+        </p:spPr>
+        <p:style>
+          <a:lnRef idx="2">
+            <a:schemeClr val="accent1"/>
+          </a:lnRef>
+          <a:fillRef idx="0">
+            <a:schemeClr val="accent1"/>
+          </a:fillRef>
+          <a:effectRef idx="1">
+            <a:schemeClr val="accent1"/>
+          </a:effectRef>
+          <a:fontRef idx="minor">
+            <a:schemeClr val="tx1"/>
+          </a:fontRef>
+        </p:style>
+      </p:cxnSp>
+      <p:sp>
+        <p:nvSpPr>
+          <p:cNvPr id="88" name="CasellaDiTesto 87">
+            <a:extLst>
+              <a:ext uri="{FF2B5EF4-FFF2-40B4-BE49-F238E27FC236}">
+                <a16:creationId xmlns:a16="http://schemas.microsoft.com/office/drawing/2014/main" id="{26E0DEE2-FA2C-1C90-345E-CB4B69866F42}"/>
+              </a:ext>
+            </a:extLst>
+          </p:cNvPr>
+          <p:cNvSpPr txBox="1"/>
+          <p:nvPr/>
+        </p:nvSpPr>
+        <p:spPr>
+          <a:xfrm>
+            <a:off x="5235813" y="5415150"/>
+            <a:ext cx="1931506" cy="461665"/>
+          </a:xfrm>
+          <a:prstGeom prst="rect">
+            <a:avLst/>
+          </a:prstGeom>
+          <a:noFill/>
+        </p:spPr>
+        <p:txBody>
+          <a:bodyPr wrap="square" rtlCol="0">
+            <a:spAutoFit/>
+          </a:bodyPr>
+          <a:lstStyle/>
+          <a:p>
+            <a:r>
+              <a:rPr lang="it-IT" sz="2400" b="1" spc="-150" dirty="0">
                 <a:solidFill>
                   <a:schemeClr val="bg1"/>
                 </a:solidFill>
               </a:rPr>
-              <a:t>Dashboard System</a:t>
+              <a:t>DNS Guard AI</a:t>
             </a:r>
           </a:p>
         </p:txBody>

--- a/Splunk-Build-A-Thon-Idea/Splunk-DNSGuard-AI-IDEA.pptx
+++ b/Splunk-Build-A-Thon-Idea/Splunk-DNSGuard-AI-IDEA.pptx
@@ -205,7 +205,7 @@
           <a:p>
             <a:fld id="{07B3BC97-3BC0-40FA-81A1-72ED287ACE70}" type="datetimeFigureOut">
               <a:rPr lang="it-IT" smtClean="0"/>
-              <a:t>18/05/2025</a:t>
+              <a:t>20/05/2025</a:t>
             </a:fld>
             <a:endParaRPr lang="it-IT" dirty="0"/>
           </a:p>
@@ -703,7 +703,7 @@
           <a:p>
             <a:fld id="{C94D923A-9170-4643-B378-C6ADCBE8E107}" type="datetimeFigureOut">
               <a:rPr lang="it-IT" smtClean="0"/>
-              <a:t>18/05/2025</a:t>
+              <a:t>20/05/2025</a:t>
             </a:fld>
             <a:endParaRPr lang="it-IT" dirty="0"/>
           </a:p>
@@ -901,7 +901,7 @@
           <a:p>
             <a:fld id="{C94D923A-9170-4643-B378-C6ADCBE8E107}" type="datetimeFigureOut">
               <a:rPr lang="it-IT" smtClean="0"/>
-              <a:t>18/05/2025</a:t>
+              <a:t>20/05/2025</a:t>
             </a:fld>
             <a:endParaRPr lang="it-IT" dirty="0"/>
           </a:p>
@@ -1109,7 +1109,7 @@
           <a:p>
             <a:fld id="{C94D923A-9170-4643-B378-C6ADCBE8E107}" type="datetimeFigureOut">
               <a:rPr lang="it-IT" smtClean="0"/>
-              <a:t>18/05/2025</a:t>
+              <a:t>20/05/2025</a:t>
             </a:fld>
             <a:endParaRPr lang="it-IT" dirty="0"/>
           </a:p>
@@ -1307,7 +1307,7 @@
           <a:p>
             <a:fld id="{C94D923A-9170-4643-B378-C6ADCBE8E107}" type="datetimeFigureOut">
               <a:rPr lang="it-IT" smtClean="0"/>
-              <a:t>18/05/2025</a:t>
+              <a:t>20/05/2025</a:t>
             </a:fld>
             <a:endParaRPr lang="it-IT" dirty="0"/>
           </a:p>
@@ -1582,7 +1582,7 @@
           <a:p>
             <a:fld id="{C94D923A-9170-4643-B378-C6ADCBE8E107}" type="datetimeFigureOut">
               <a:rPr lang="it-IT" smtClean="0"/>
-              <a:t>18/05/2025</a:t>
+              <a:t>20/05/2025</a:t>
             </a:fld>
             <a:endParaRPr lang="it-IT" dirty="0"/>
           </a:p>
@@ -1847,7 +1847,7 @@
           <a:p>
             <a:fld id="{C94D923A-9170-4643-B378-C6ADCBE8E107}" type="datetimeFigureOut">
               <a:rPr lang="it-IT" smtClean="0"/>
-              <a:t>18/05/2025</a:t>
+              <a:t>20/05/2025</a:t>
             </a:fld>
             <a:endParaRPr lang="it-IT" dirty="0"/>
           </a:p>
@@ -2259,7 +2259,7 @@
           <a:p>
             <a:fld id="{C94D923A-9170-4643-B378-C6ADCBE8E107}" type="datetimeFigureOut">
               <a:rPr lang="it-IT" smtClean="0"/>
-              <a:t>18/05/2025</a:t>
+              <a:t>20/05/2025</a:t>
             </a:fld>
             <a:endParaRPr lang="it-IT" dirty="0"/>
           </a:p>
@@ -2400,7 +2400,7 @@
           <a:p>
             <a:fld id="{C94D923A-9170-4643-B378-C6ADCBE8E107}" type="datetimeFigureOut">
               <a:rPr lang="it-IT" smtClean="0"/>
-              <a:t>18/05/2025</a:t>
+              <a:t>20/05/2025</a:t>
             </a:fld>
             <a:endParaRPr lang="it-IT" dirty="0"/>
           </a:p>
@@ -2513,7 +2513,7 @@
           <a:p>
             <a:fld id="{C94D923A-9170-4643-B378-C6ADCBE8E107}" type="datetimeFigureOut">
               <a:rPr lang="it-IT" smtClean="0"/>
-              <a:t>18/05/2025</a:t>
+              <a:t>20/05/2025</a:t>
             </a:fld>
             <a:endParaRPr lang="it-IT" dirty="0"/>
           </a:p>
@@ -2824,7 +2824,7 @@
           <a:p>
             <a:fld id="{C94D923A-9170-4643-B378-C6ADCBE8E107}" type="datetimeFigureOut">
               <a:rPr lang="it-IT" smtClean="0"/>
-              <a:t>18/05/2025</a:t>
+              <a:t>20/05/2025</a:t>
             </a:fld>
             <a:endParaRPr lang="it-IT" dirty="0"/>
           </a:p>
@@ -3112,7 +3112,7 @@
           <a:p>
             <a:fld id="{C94D923A-9170-4643-B378-C6ADCBE8E107}" type="datetimeFigureOut">
               <a:rPr lang="it-IT" smtClean="0"/>
-              <a:t>18/05/2025</a:t>
+              <a:t>20/05/2025</a:t>
             </a:fld>
             <a:endParaRPr lang="it-IT" dirty="0"/>
           </a:p>
@@ -3353,7 +3353,7 @@
           <a:p>
             <a:fld id="{C94D923A-9170-4643-B378-C6ADCBE8E107}" type="datetimeFigureOut">
               <a:rPr lang="it-IT" smtClean="0"/>
-              <a:t>18/05/2025</a:t>
+              <a:t>20/05/2025</a:t>
             </a:fld>
             <a:endParaRPr lang="it-IT" dirty="0"/>
           </a:p>
@@ -5137,57 +5137,7 @@
                 <a:effectLst/>
                 <a:latin typeface="-apple-system"/>
               </a:rPr>
-              <a:t>Scalable </a:t>
-            </a:r>
-            <a:r>
-              <a:rPr lang="it-IT" sz="1200" b="0" i="0" dirty="0" err="1">
-                <a:solidFill>
-                  <a:srgbClr val="F0F6FC"/>
-                </a:solidFill>
-                <a:effectLst/>
-                <a:latin typeface="-apple-system"/>
-              </a:rPr>
-              <a:t>solution</a:t>
-            </a:r>
-            <a:r>
-              <a:rPr lang="it-IT" sz="1200" b="0" i="0" dirty="0">
-                <a:solidFill>
-                  <a:srgbClr val="F0F6FC"/>
-                </a:solidFill>
-                <a:effectLst/>
-                <a:latin typeface="-apple-system"/>
-              </a:rPr>
-              <a:t> </a:t>
-            </a:r>
-            <a:r>
-              <a:rPr lang="it-IT" sz="1200" b="0" i="0" dirty="0" err="1">
-                <a:solidFill>
-                  <a:srgbClr val="F0F6FC"/>
-                </a:solidFill>
-                <a:effectLst/>
-                <a:latin typeface="-apple-system"/>
-              </a:rPr>
-              <a:t>designed</a:t>
-            </a:r>
-            <a:r>
-              <a:rPr lang="it-IT" sz="1200" b="0" i="0" dirty="0">
-                <a:solidFill>
-                  <a:srgbClr val="F0F6FC"/>
-                </a:solidFill>
-                <a:effectLst/>
-                <a:latin typeface="-apple-system"/>
-              </a:rPr>
-              <a:t> for large network </a:t>
-            </a:r>
-            <a:r>
-              <a:rPr lang="it-IT" sz="1200" b="0" i="0" dirty="0" err="1">
-                <a:solidFill>
-                  <a:srgbClr val="F0F6FC"/>
-                </a:solidFill>
-                <a:effectLst/>
-                <a:latin typeface="-apple-system"/>
-              </a:rPr>
-              <a:t>environments</a:t>
+              <a:t>Scalable solution designed for large network environments</a:t>
             </a:r>
             <a:endParaRPr lang="it-IT" sz="1200" dirty="0">
               <a:solidFill>
@@ -5847,21 +5797,8 @@
                   <a:schemeClr val="bg1"/>
                 </a:solidFill>
               </a:rPr>
-              <a:t>Real-time </a:t>
-            </a:r>
-            <a:r>
-              <a:rPr lang="it-IT" b="1" dirty="0" err="1">
-                <a:solidFill>
-                  <a:schemeClr val="bg1"/>
-                </a:solidFill>
-              </a:rPr>
-              <a:t>Detection</a:t>
-            </a:r>
-            <a:endParaRPr lang="it-IT" b="1" dirty="0">
-              <a:solidFill>
-                <a:schemeClr val="bg1"/>
-              </a:solidFill>
-            </a:endParaRPr>
+              <a:t>Real-time Detection</a:t>
+            </a:r>
           </a:p>
         </p:txBody>
       </p:sp>
@@ -5895,20 +5832,12 @@
           <a:p>
             <a:pPr algn="ctr"/>
             <a:r>
-              <a:rPr lang="it-IT" b="1" dirty="0" err="1">
-                <a:solidFill>
-                  <a:schemeClr val="bg1"/>
-                </a:solidFill>
-              </a:rPr>
-              <a:t>Splunk</a:t>
-            </a:r>
-            <a:r>
               <a:rPr lang="it-IT" b="1" dirty="0">
                 <a:solidFill>
                   <a:schemeClr val="bg1"/>
                 </a:solidFill>
               </a:rPr>
-              <a:t> MLTK Integration</a:t>
+              <a:t>Splunk MLTK Integration</a:t>
             </a:r>
           </a:p>
         </p:txBody>
@@ -12036,21 +11965,8 @@
                   <a:schemeClr val="bg1"/>
                 </a:solidFill>
               </a:rPr>
-              <a:t>Management </a:t>
-            </a:r>
-            <a:r>
-              <a:rPr lang="it-IT" b="1" dirty="0" err="1">
-                <a:solidFill>
-                  <a:schemeClr val="bg1"/>
-                </a:solidFill>
-              </a:rPr>
-              <a:t>View</a:t>
-            </a:r>
-            <a:endParaRPr lang="it-IT" b="1" dirty="0">
-              <a:solidFill>
-                <a:schemeClr val="bg1"/>
-              </a:solidFill>
-            </a:endParaRPr>
+              <a:t>Management View</a:t>
+            </a:r>
           </a:p>
         </p:txBody>
       </p:sp>
@@ -12601,21 +12517,8 @@
                   <a:schemeClr val="bg1"/>
                 </a:solidFill>
               </a:rPr>
-              <a:t>Dashboards </a:t>
-            </a:r>
-            <a:r>
-              <a:rPr lang="it-IT" b="1" dirty="0" err="1">
-                <a:solidFill>
-                  <a:schemeClr val="bg1"/>
-                </a:solidFill>
-              </a:rPr>
-              <a:t>View</a:t>
-            </a:r>
-            <a:endParaRPr lang="it-IT" b="1" dirty="0">
-              <a:solidFill>
-                <a:schemeClr val="bg1"/>
-              </a:solidFill>
-            </a:endParaRPr>
+              <a:t>Dashboards View</a:t>
+            </a:r>
           </a:p>
         </p:txBody>
       </p:sp>
@@ -12889,34 +12792,13 @@
           <a:p>
             <a:pPr algn="ctr"/>
             <a:r>
-              <a:rPr lang="it-IT" b="1" dirty="0" err="1">
-                <a:solidFill>
-                  <a:schemeClr val="bg1"/>
-                </a:solidFill>
-              </a:rPr>
-              <a:t>Integrations</a:t>
-            </a:r>
-            <a:r>
               <a:rPr lang="it-IT" b="1" dirty="0">
                 <a:solidFill>
                   <a:schemeClr val="bg1"/>
                 </a:solidFill>
               </a:rPr>
-              <a:t> </a:t>
-            </a:r>
-            <a:r>
-              <a:rPr lang="it-IT" b="1" dirty="0" err="1">
-                <a:solidFill>
-                  <a:schemeClr val="bg1"/>
-                </a:solidFill>
-              </a:rPr>
-              <a:t>View</a:t>
-            </a:r>
-            <a:endParaRPr lang="it-IT" b="1" dirty="0">
-              <a:solidFill>
-                <a:schemeClr val="bg1"/>
-              </a:solidFill>
-            </a:endParaRPr>
+              <a:t>Integrations View</a:t>
+            </a:r>
           </a:p>
         </p:txBody>
       </p:sp>
@@ -13354,6 +13236,304 @@
       </p:grpSpPr>
       <p:grpSp>
         <p:nvGrpSpPr>
+          <p:cNvPr id="73" name="Gruppo 72">
+            <a:extLst>
+              <a:ext uri="{FF2B5EF4-FFF2-40B4-BE49-F238E27FC236}">
+                <a16:creationId xmlns:a16="http://schemas.microsoft.com/office/drawing/2014/main" id="{0BBF8E63-B812-58B8-EFC3-7FC690EB8741}"/>
+              </a:ext>
+            </a:extLst>
+          </p:cNvPr>
+          <p:cNvGrpSpPr/>
+          <p:nvPr/>
+        </p:nvGrpSpPr>
+        <p:grpSpPr>
+          <a:xfrm>
+            <a:off x="6460429" y="4661608"/>
+            <a:ext cx="4681024" cy="553151"/>
+            <a:chOff x="1701101" y="1802916"/>
+            <a:chExt cx="8886021" cy="3784578"/>
+          </a:xfrm>
+        </p:grpSpPr>
+        <p:sp>
+          <p:nvSpPr>
+            <p:cNvPr id="74" name="Rettangolo con angoli arrotondati 73">
+              <a:extLst>
+                <a:ext uri="{FF2B5EF4-FFF2-40B4-BE49-F238E27FC236}">
+                  <a16:creationId xmlns:a16="http://schemas.microsoft.com/office/drawing/2014/main" id="{EEF8C10D-2F19-7BF4-81F7-531DFE652516}"/>
+                </a:ext>
+              </a:extLst>
+            </p:cNvPr>
+            <p:cNvSpPr/>
+            <p:nvPr/>
+          </p:nvSpPr>
+          <p:spPr>
+            <a:xfrm>
+              <a:off x="1797325" y="1897480"/>
+              <a:ext cx="8789797" cy="3690014"/>
+            </a:xfrm>
+            <a:prstGeom prst="roundRect">
+              <a:avLst/>
+            </a:prstGeom>
+            <a:solidFill>
+              <a:schemeClr val="tx1"/>
+            </a:solidFill>
+            <a:ln>
+              <a:solidFill>
+                <a:schemeClr val="tx1"/>
+              </a:solidFill>
+            </a:ln>
+          </p:spPr>
+          <p:style>
+            <a:lnRef idx="2">
+              <a:schemeClr val="accent1">
+                <a:shade val="15000"/>
+              </a:schemeClr>
+            </a:lnRef>
+            <a:fillRef idx="1">
+              <a:schemeClr val="accent1"/>
+            </a:fillRef>
+            <a:effectRef idx="0">
+              <a:schemeClr val="accent1"/>
+            </a:effectRef>
+            <a:fontRef idx="minor">
+              <a:schemeClr val="lt1"/>
+            </a:fontRef>
+          </p:style>
+          <p:txBody>
+            <a:bodyPr rtlCol="0" anchor="ctr"/>
+            <a:lstStyle/>
+            <a:p>
+              <a:pPr algn="ctr"/>
+              <a:endParaRPr lang="it-IT" dirty="0"/>
+            </a:p>
+          </p:txBody>
+        </p:sp>
+        <p:sp>
+          <p:nvSpPr>
+            <p:cNvPr id="75" name="Rettangolo con angoli arrotondati 74">
+              <a:extLst>
+                <a:ext uri="{FF2B5EF4-FFF2-40B4-BE49-F238E27FC236}">
+                  <a16:creationId xmlns:a16="http://schemas.microsoft.com/office/drawing/2014/main" id="{4637E4BD-44FA-F436-A862-F3198CFBDA1B}"/>
+                </a:ext>
+              </a:extLst>
+            </p:cNvPr>
+            <p:cNvSpPr/>
+            <p:nvPr/>
+          </p:nvSpPr>
+          <p:spPr>
+            <a:xfrm>
+              <a:off x="1701101" y="1802916"/>
+              <a:ext cx="8789797" cy="3690014"/>
+            </a:xfrm>
+            <a:prstGeom prst="roundRect">
+              <a:avLst/>
+            </a:prstGeom>
+            <a:solidFill>
+              <a:srgbClr val="012F5F"/>
+            </a:solidFill>
+            <a:ln>
+              <a:solidFill>
+                <a:srgbClr val="012F5F"/>
+              </a:solidFill>
+            </a:ln>
+          </p:spPr>
+          <p:style>
+            <a:lnRef idx="2">
+              <a:schemeClr val="accent1">
+                <a:shade val="15000"/>
+              </a:schemeClr>
+            </a:lnRef>
+            <a:fillRef idx="1">
+              <a:schemeClr val="accent1"/>
+            </a:fillRef>
+            <a:effectRef idx="0">
+              <a:schemeClr val="accent1"/>
+            </a:effectRef>
+            <a:fontRef idx="minor">
+              <a:schemeClr val="lt1"/>
+            </a:fontRef>
+          </p:style>
+          <p:txBody>
+            <a:bodyPr rtlCol="0" anchor="ctr"/>
+            <a:lstStyle/>
+            <a:p>
+              <a:pPr algn="ctr"/>
+              <a:endParaRPr lang="it-IT" dirty="0"/>
+            </a:p>
+          </p:txBody>
+        </p:sp>
+      </p:grpSp>
+      <p:grpSp>
+        <p:nvGrpSpPr>
+          <p:cNvPr id="67" name="Gruppo 66">
+            <a:extLst>
+              <a:ext uri="{FF2B5EF4-FFF2-40B4-BE49-F238E27FC236}">
+                <a16:creationId xmlns:a16="http://schemas.microsoft.com/office/drawing/2014/main" id="{7A7D0C63-DDD8-66FC-8D71-FDDBA875986E}"/>
+              </a:ext>
+            </a:extLst>
+          </p:cNvPr>
+          <p:cNvGrpSpPr/>
+          <p:nvPr/>
+        </p:nvGrpSpPr>
+        <p:grpSpPr>
+          <a:xfrm>
+            <a:off x="6460429" y="3948647"/>
+            <a:ext cx="4681024" cy="553151"/>
+            <a:chOff x="1701101" y="1802916"/>
+            <a:chExt cx="8886021" cy="3784578"/>
+          </a:xfrm>
+        </p:grpSpPr>
+        <p:sp>
+          <p:nvSpPr>
+            <p:cNvPr id="68" name="Rettangolo con angoli arrotondati 67">
+              <a:extLst>
+                <a:ext uri="{FF2B5EF4-FFF2-40B4-BE49-F238E27FC236}">
+                  <a16:creationId xmlns:a16="http://schemas.microsoft.com/office/drawing/2014/main" id="{117C8E20-E45B-F435-AE65-B41F9C6BC7B8}"/>
+                </a:ext>
+              </a:extLst>
+            </p:cNvPr>
+            <p:cNvSpPr/>
+            <p:nvPr/>
+          </p:nvSpPr>
+          <p:spPr>
+            <a:xfrm>
+              <a:off x="1797325" y="1897480"/>
+              <a:ext cx="8789797" cy="3690014"/>
+            </a:xfrm>
+            <a:prstGeom prst="roundRect">
+              <a:avLst/>
+            </a:prstGeom>
+            <a:solidFill>
+              <a:schemeClr val="tx1"/>
+            </a:solidFill>
+            <a:ln>
+              <a:solidFill>
+                <a:schemeClr val="tx1"/>
+              </a:solidFill>
+            </a:ln>
+          </p:spPr>
+          <p:style>
+            <a:lnRef idx="2">
+              <a:schemeClr val="accent1">
+                <a:shade val="15000"/>
+              </a:schemeClr>
+            </a:lnRef>
+            <a:fillRef idx="1">
+              <a:schemeClr val="accent1"/>
+            </a:fillRef>
+            <a:effectRef idx="0">
+              <a:schemeClr val="accent1"/>
+            </a:effectRef>
+            <a:fontRef idx="minor">
+              <a:schemeClr val="lt1"/>
+            </a:fontRef>
+          </p:style>
+          <p:txBody>
+            <a:bodyPr rtlCol="0" anchor="ctr"/>
+            <a:lstStyle/>
+            <a:p>
+              <a:pPr algn="ctr"/>
+              <a:endParaRPr lang="it-IT" dirty="0"/>
+            </a:p>
+          </p:txBody>
+        </p:sp>
+        <p:sp>
+          <p:nvSpPr>
+            <p:cNvPr id="72" name="Rettangolo con angoli arrotondati 71">
+              <a:extLst>
+                <a:ext uri="{FF2B5EF4-FFF2-40B4-BE49-F238E27FC236}">
+                  <a16:creationId xmlns:a16="http://schemas.microsoft.com/office/drawing/2014/main" id="{5C278FE9-FE55-94E7-4DE6-3D7DD88D3832}"/>
+                </a:ext>
+              </a:extLst>
+            </p:cNvPr>
+            <p:cNvSpPr/>
+            <p:nvPr/>
+          </p:nvSpPr>
+          <p:spPr>
+            <a:xfrm>
+              <a:off x="1701101" y="1802916"/>
+              <a:ext cx="8789797" cy="3690014"/>
+            </a:xfrm>
+            <a:prstGeom prst="roundRect">
+              <a:avLst/>
+            </a:prstGeom>
+            <a:solidFill>
+              <a:srgbClr val="012F5F"/>
+            </a:solidFill>
+            <a:ln>
+              <a:solidFill>
+                <a:srgbClr val="012F5F"/>
+              </a:solidFill>
+            </a:ln>
+          </p:spPr>
+          <p:style>
+            <a:lnRef idx="2">
+              <a:schemeClr val="accent1">
+                <a:shade val="15000"/>
+              </a:schemeClr>
+            </a:lnRef>
+            <a:fillRef idx="1">
+              <a:schemeClr val="accent1"/>
+            </a:fillRef>
+            <a:effectRef idx="0">
+              <a:schemeClr val="accent1"/>
+            </a:effectRef>
+            <a:fontRef idx="minor">
+              <a:schemeClr val="lt1"/>
+            </a:fontRef>
+          </p:style>
+          <p:txBody>
+            <a:bodyPr rtlCol="0" anchor="ctr"/>
+            <a:lstStyle/>
+            <a:p>
+              <a:pPr algn="ctr"/>
+              <a:endParaRPr lang="it-IT" dirty="0"/>
+            </a:p>
+          </p:txBody>
+        </p:sp>
+      </p:grpSp>
+      <p:sp>
+        <p:nvSpPr>
+          <p:cNvPr id="47" name="CasellaDiTesto 46">
+            <a:extLst>
+              <a:ext uri="{FF2B5EF4-FFF2-40B4-BE49-F238E27FC236}">
+                <a16:creationId xmlns:a16="http://schemas.microsoft.com/office/drawing/2014/main" id="{3A15EDE1-6DC9-79F6-83B4-040D2814782A}"/>
+              </a:ext>
+            </a:extLst>
+          </p:cNvPr>
+          <p:cNvSpPr txBox="1"/>
+          <p:nvPr/>
+        </p:nvSpPr>
+        <p:spPr>
+          <a:xfrm>
+            <a:off x="6470819" y="4746607"/>
+            <a:ext cx="4564846" cy="369332"/>
+          </a:xfrm>
+          <a:prstGeom prst="rect">
+            <a:avLst/>
+          </a:prstGeom>
+          <a:noFill/>
+        </p:spPr>
+        <p:txBody>
+          <a:bodyPr wrap="square" rtlCol="0">
+            <a:spAutoFit/>
+          </a:bodyPr>
+          <a:lstStyle/>
+          <a:p>
+            <a:pPr algn="ctr"/>
+            <a:r>
+              <a:rPr lang="it-IT" b="1" dirty="0">
+                <a:solidFill>
+                  <a:schemeClr val="bg1"/>
+                </a:solidFill>
+              </a:rPr>
+              <a:t>Identify reconnaissance behavior</a:t>
+            </a:r>
+          </a:p>
+        </p:txBody>
+      </p:sp>
+      <p:grpSp>
+        <p:nvGrpSpPr>
           <p:cNvPr id="5" name="Gruppo 4">
             <a:extLst>
               <a:ext uri="{FF2B5EF4-FFF2-40B4-BE49-F238E27FC236}">
@@ -13531,914 +13711,12 @@
           </a:p>
         </p:txBody>
       </p:sp>
-      <p:grpSp>
-        <p:nvGrpSpPr>
-          <p:cNvPr id="71" name="Gruppo 70">
-            <a:extLst>
-              <a:ext uri="{FF2B5EF4-FFF2-40B4-BE49-F238E27FC236}">
-                <a16:creationId xmlns:a16="http://schemas.microsoft.com/office/drawing/2014/main" id="{B4275084-2AC9-94D3-3FF7-456696414FBE}"/>
-              </a:ext>
-            </a:extLst>
-          </p:cNvPr>
-          <p:cNvGrpSpPr/>
-          <p:nvPr/>
-        </p:nvGrpSpPr>
-        <p:grpSpPr>
-          <a:xfrm>
-            <a:off x="6407427" y="1706696"/>
-            <a:ext cx="4474962" cy="4002727"/>
-            <a:chOff x="729991" y="1741237"/>
-            <a:chExt cx="4474962" cy="4002727"/>
-          </a:xfrm>
-        </p:grpSpPr>
-        <p:grpSp>
-          <p:nvGrpSpPr>
-            <p:cNvPr id="8" name="Gruppo 7">
-              <a:extLst>
-                <a:ext uri="{FF2B5EF4-FFF2-40B4-BE49-F238E27FC236}">
-                  <a16:creationId xmlns:a16="http://schemas.microsoft.com/office/drawing/2014/main" id="{EFC133BE-CDF2-3A80-D362-A29CF5DB8B5F}"/>
-                </a:ext>
-              </a:extLst>
-            </p:cNvPr>
-            <p:cNvGrpSpPr/>
-            <p:nvPr/>
-          </p:nvGrpSpPr>
-          <p:grpSpPr>
-            <a:xfrm>
-              <a:off x="739768" y="1741237"/>
-              <a:ext cx="4455408" cy="646332"/>
-              <a:chOff x="1701101" y="1802916"/>
-              <a:chExt cx="8886021" cy="3784578"/>
-            </a:xfrm>
-          </p:grpSpPr>
-          <p:sp>
-            <p:nvSpPr>
-              <p:cNvPr id="9" name="Rettangolo con angoli arrotondati 8">
-                <a:extLst>
-                  <a:ext uri="{FF2B5EF4-FFF2-40B4-BE49-F238E27FC236}">
-                    <a16:creationId xmlns:a16="http://schemas.microsoft.com/office/drawing/2014/main" id="{E26B9950-D2A2-72A0-7CEB-3CC56E563EC7}"/>
-                  </a:ext>
-                </a:extLst>
-              </p:cNvPr>
-              <p:cNvSpPr/>
-              <p:nvPr/>
-            </p:nvSpPr>
-            <p:spPr>
-              <a:xfrm>
-                <a:off x="1797325" y="1897480"/>
-                <a:ext cx="8789797" cy="3690014"/>
-              </a:xfrm>
-              <a:prstGeom prst="roundRect">
-                <a:avLst/>
-              </a:prstGeom>
-              <a:solidFill>
-                <a:schemeClr val="tx1"/>
-              </a:solidFill>
-              <a:ln>
-                <a:solidFill>
-                  <a:schemeClr val="tx1"/>
-                </a:solidFill>
-              </a:ln>
-            </p:spPr>
-            <p:style>
-              <a:lnRef idx="2">
-                <a:schemeClr val="accent1">
-                  <a:shade val="15000"/>
-                </a:schemeClr>
-              </a:lnRef>
-              <a:fillRef idx="1">
-                <a:schemeClr val="accent1"/>
-              </a:fillRef>
-              <a:effectRef idx="0">
-                <a:schemeClr val="accent1"/>
-              </a:effectRef>
-              <a:fontRef idx="minor">
-                <a:schemeClr val="lt1"/>
-              </a:fontRef>
-            </p:style>
-            <p:txBody>
-              <a:bodyPr rtlCol="0" anchor="ctr"/>
-              <a:lstStyle/>
-              <a:p>
-                <a:pPr algn="ctr"/>
-                <a:endParaRPr lang="it-IT" dirty="0"/>
-              </a:p>
-            </p:txBody>
-          </p:sp>
-          <p:sp>
-            <p:nvSpPr>
-              <p:cNvPr id="10" name="Rettangolo con angoli arrotondati 9">
-                <a:extLst>
-                  <a:ext uri="{FF2B5EF4-FFF2-40B4-BE49-F238E27FC236}">
-                    <a16:creationId xmlns:a16="http://schemas.microsoft.com/office/drawing/2014/main" id="{C9B40EF8-AF90-885A-0D9A-523860BF4039}"/>
-                  </a:ext>
-                </a:extLst>
-              </p:cNvPr>
-              <p:cNvSpPr/>
-              <p:nvPr/>
-            </p:nvSpPr>
-            <p:spPr>
-              <a:xfrm>
-                <a:off x="1701101" y="1802916"/>
-                <a:ext cx="8789797" cy="3690014"/>
-              </a:xfrm>
-              <a:prstGeom prst="roundRect">
-                <a:avLst/>
-              </a:prstGeom>
-              <a:solidFill>
-                <a:srgbClr val="012F5F"/>
-              </a:solidFill>
-              <a:ln>
-                <a:solidFill>
-                  <a:srgbClr val="012F5F"/>
-                </a:solidFill>
-              </a:ln>
-            </p:spPr>
-            <p:style>
-              <a:lnRef idx="2">
-                <a:schemeClr val="accent1">
-                  <a:shade val="15000"/>
-                </a:schemeClr>
-              </a:lnRef>
-              <a:fillRef idx="1">
-                <a:schemeClr val="accent1"/>
-              </a:fillRef>
-              <a:effectRef idx="0">
-                <a:schemeClr val="accent1"/>
-              </a:effectRef>
-              <a:fontRef idx="minor">
-                <a:schemeClr val="lt1"/>
-              </a:fontRef>
-            </p:style>
-            <p:txBody>
-              <a:bodyPr rtlCol="0" anchor="ctr"/>
-              <a:lstStyle/>
-              <a:p>
-                <a:pPr algn="ctr"/>
-                <a:endParaRPr lang="it-IT" dirty="0"/>
-              </a:p>
-            </p:txBody>
-          </p:sp>
-        </p:grpSp>
-        <p:sp>
-          <p:nvSpPr>
-            <p:cNvPr id="26" name="CasellaDiTesto 25">
-              <a:extLst>
-                <a:ext uri="{FF2B5EF4-FFF2-40B4-BE49-F238E27FC236}">
-                  <a16:creationId xmlns:a16="http://schemas.microsoft.com/office/drawing/2014/main" id="{0CBAE9EA-A5EA-2BC8-CFFC-3EC72A7D01A7}"/>
-                </a:ext>
-              </a:extLst>
-            </p:cNvPr>
-            <p:cNvSpPr txBox="1"/>
-            <p:nvPr/>
-          </p:nvSpPr>
-          <p:spPr>
-            <a:xfrm>
-              <a:off x="729991" y="1871662"/>
-              <a:ext cx="4417374" cy="369332"/>
-            </a:xfrm>
-            <a:prstGeom prst="rect">
-              <a:avLst/>
-            </a:prstGeom>
-            <a:noFill/>
-          </p:spPr>
-          <p:txBody>
-            <a:bodyPr wrap="square" rtlCol="0">
-              <a:spAutoFit/>
-            </a:bodyPr>
-            <a:lstStyle/>
-            <a:p>
-              <a:pPr algn="ctr"/>
-              <a:r>
-                <a:rPr lang="it-IT" b="1" dirty="0">
-                  <a:solidFill>
-                    <a:schemeClr val="bg1"/>
-                  </a:solidFill>
-                </a:rPr>
-                <a:t>Early detection of malware infections</a:t>
-              </a:r>
-            </a:p>
-          </p:txBody>
-        </p:sp>
-        <p:grpSp>
-          <p:nvGrpSpPr>
-            <p:cNvPr id="32" name="Gruppo 31">
-              <a:extLst>
-                <a:ext uri="{FF2B5EF4-FFF2-40B4-BE49-F238E27FC236}">
-                  <a16:creationId xmlns:a16="http://schemas.microsoft.com/office/drawing/2014/main" id="{D1C65764-A073-3AFC-AEBF-F826F5BB1CA3}"/>
-                </a:ext>
-              </a:extLst>
-            </p:cNvPr>
-            <p:cNvGrpSpPr/>
-            <p:nvPr/>
-          </p:nvGrpSpPr>
-          <p:grpSpPr>
-            <a:xfrm>
-              <a:off x="749545" y="2566678"/>
-              <a:ext cx="4455408" cy="646332"/>
-              <a:chOff x="1701101" y="1802916"/>
-              <a:chExt cx="8886021" cy="3784578"/>
-            </a:xfrm>
-          </p:grpSpPr>
-          <p:sp>
-            <p:nvSpPr>
-              <p:cNvPr id="33" name="Rettangolo con angoli arrotondati 32">
-                <a:extLst>
-                  <a:ext uri="{FF2B5EF4-FFF2-40B4-BE49-F238E27FC236}">
-                    <a16:creationId xmlns:a16="http://schemas.microsoft.com/office/drawing/2014/main" id="{9EF2DFA5-410A-3C19-EC4E-39CEDA63D47E}"/>
-                  </a:ext>
-                </a:extLst>
-              </p:cNvPr>
-              <p:cNvSpPr/>
-              <p:nvPr/>
-            </p:nvSpPr>
-            <p:spPr>
-              <a:xfrm>
-                <a:off x="1797325" y="1897480"/>
-                <a:ext cx="8789797" cy="3690014"/>
-              </a:xfrm>
-              <a:prstGeom prst="roundRect">
-                <a:avLst/>
-              </a:prstGeom>
-              <a:solidFill>
-                <a:schemeClr val="tx1"/>
-              </a:solidFill>
-              <a:ln>
-                <a:solidFill>
-                  <a:schemeClr val="tx1"/>
-                </a:solidFill>
-              </a:ln>
-            </p:spPr>
-            <p:style>
-              <a:lnRef idx="2">
-                <a:schemeClr val="accent1">
-                  <a:shade val="15000"/>
-                </a:schemeClr>
-              </a:lnRef>
-              <a:fillRef idx="1">
-                <a:schemeClr val="accent1"/>
-              </a:fillRef>
-              <a:effectRef idx="0">
-                <a:schemeClr val="accent1"/>
-              </a:effectRef>
-              <a:fontRef idx="minor">
-                <a:schemeClr val="lt1"/>
-              </a:fontRef>
-            </p:style>
-            <p:txBody>
-              <a:bodyPr rtlCol="0" anchor="ctr"/>
-              <a:lstStyle/>
-              <a:p>
-                <a:pPr algn="ctr"/>
-                <a:endParaRPr lang="it-IT" dirty="0"/>
-              </a:p>
-            </p:txBody>
-          </p:sp>
-          <p:sp>
-            <p:nvSpPr>
-              <p:cNvPr id="34" name="Rettangolo con angoli arrotondati 33">
-                <a:extLst>
-                  <a:ext uri="{FF2B5EF4-FFF2-40B4-BE49-F238E27FC236}">
-                    <a16:creationId xmlns:a16="http://schemas.microsoft.com/office/drawing/2014/main" id="{A93A5FCA-BAA3-FF9A-BCB6-CB9B04A6E772}"/>
-                  </a:ext>
-                </a:extLst>
-              </p:cNvPr>
-              <p:cNvSpPr/>
-              <p:nvPr/>
-            </p:nvSpPr>
-            <p:spPr>
-              <a:xfrm>
-                <a:off x="1701101" y="1802916"/>
-                <a:ext cx="8789797" cy="3690014"/>
-              </a:xfrm>
-              <a:prstGeom prst="roundRect">
-                <a:avLst/>
-              </a:prstGeom>
-              <a:solidFill>
-                <a:srgbClr val="012F5F"/>
-              </a:solidFill>
-              <a:ln>
-                <a:solidFill>
-                  <a:srgbClr val="012F5F"/>
-                </a:solidFill>
-              </a:ln>
-            </p:spPr>
-            <p:style>
-              <a:lnRef idx="2">
-                <a:schemeClr val="accent1">
-                  <a:shade val="15000"/>
-                </a:schemeClr>
-              </a:lnRef>
-              <a:fillRef idx="1">
-                <a:schemeClr val="accent1"/>
-              </a:fillRef>
-              <a:effectRef idx="0">
-                <a:schemeClr val="accent1"/>
-              </a:effectRef>
-              <a:fontRef idx="minor">
-                <a:schemeClr val="lt1"/>
-              </a:fontRef>
-            </p:style>
-            <p:txBody>
-              <a:bodyPr rtlCol="0" anchor="ctr"/>
-              <a:lstStyle/>
-              <a:p>
-                <a:pPr algn="ctr"/>
-                <a:endParaRPr lang="it-IT" dirty="0"/>
-              </a:p>
-            </p:txBody>
-          </p:sp>
-        </p:grpSp>
-        <p:sp>
-          <p:nvSpPr>
-            <p:cNvPr id="35" name="CasellaDiTesto 34">
-              <a:extLst>
-                <a:ext uri="{FF2B5EF4-FFF2-40B4-BE49-F238E27FC236}">
-                  <a16:creationId xmlns:a16="http://schemas.microsoft.com/office/drawing/2014/main" id="{0158F9D1-8870-EADF-F292-13BA35EBB4AE}"/>
-                </a:ext>
-              </a:extLst>
-            </p:cNvPr>
-            <p:cNvSpPr txBox="1"/>
-            <p:nvPr/>
-          </p:nvSpPr>
-          <p:spPr>
-            <a:xfrm>
-              <a:off x="739768" y="2697103"/>
-              <a:ext cx="4417374" cy="369332"/>
-            </a:xfrm>
-            <a:prstGeom prst="rect">
-              <a:avLst/>
-            </a:prstGeom>
-            <a:noFill/>
-          </p:spPr>
-          <p:txBody>
-            <a:bodyPr wrap="square" rtlCol="0">
-              <a:spAutoFit/>
-            </a:bodyPr>
-            <a:lstStyle/>
-            <a:p>
-              <a:pPr algn="ctr"/>
-              <a:r>
-                <a:rPr lang="it-IT" b="1" dirty="0">
-                  <a:solidFill>
-                    <a:schemeClr val="bg1"/>
-                  </a:solidFill>
-                </a:rPr>
-                <a:t>Unconver data exfiltration attempts</a:t>
-              </a:r>
-            </a:p>
-          </p:txBody>
-        </p:sp>
-        <p:grpSp>
-          <p:nvGrpSpPr>
-            <p:cNvPr id="38" name="Gruppo 37">
-              <a:extLst>
-                <a:ext uri="{FF2B5EF4-FFF2-40B4-BE49-F238E27FC236}">
-                  <a16:creationId xmlns:a16="http://schemas.microsoft.com/office/drawing/2014/main" id="{111A65BD-C973-0D24-A8E7-E432E947EBBE}"/>
-                </a:ext>
-              </a:extLst>
-            </p:cNvPr>
-            <p:cNvGrpSpPr/>
-            <p:nvPr/>
-          </p:nvGrpSpPr>
-          <p:grpSpPr>
-            <a:xfrm>
-              <a:off x="739768" y="4266010"/>
-              <a:ext cx="4455408" cy="646332"/>
-              <a:chOff x="1701101" y="1802916"/>
-              <a:chExt cx="8886021" cy="3784578"/>
-            </a:xfrm>
-          </p:grpSpPr>
-          <p:sp>
-            <p:nvSpPr>
-              <p:cNvPr id="39" name="Rettangolo con angoli arrotondati 38">
-                <a:extLst>
-                  <a:ext uri="{FF2B5EF4-FFF2-40B4-BE49-F238E27FC236}">
-                    <a16:creationId xmlns:a16="http://schemas.microsoft.com/office/drawing/2014/main" id="{6E3065A8-97BF-5550-1B38-061E08DF785E}"/>
-                  </a:ext>
-                </a:extLst>
-              </p:cNvPr>
-              <p:cNvSpPr/>
-              <p:nvPr/>
-            </p:nvSpPr>
-            <p:spPr>
-              <a:xfrm>
-                <a:off x="1797325" y="1897480"/>
-                <a:ext cx="8789797" cy="3690014"/>
-              </a:xfrm>
-              <a:prstGeom prst="roundRect">
-                <a:avLst/>
-              </a:prstGeom>
-              <a:solidFill>
-                <a:schemeClr val="tx1"/>
-              </a:solidFill>
-              <a:ln>
-                <a:solidFill>
-                  <a:schemeClr val="tx1"/>
-                </a:solidFill>
-              </a:ln>
-            </p:spPr>
-            <p:style>
-              <a:lnRef idx="2">
-                <a:schemeClr val="accent1">
-                  <a:shade val="15000"/>
-                </a:schemeClr>
-              </a:lnRef>
-              <a:fillRef idx="1">
-                <a:schemeClr val="accent1"/>
-              </a:fillRef>
-              <a:effectRef idx="0">
-                <a:schemeClr val="accent1"/>
-              </a:effectRef>
-              <a:fontRef idx="minor">
-                <a:schemeClr val="lt1"/>
-              </a:fontRef>
-            </p:style>
-            <p:txBody>
-              <a:bodyPr rtlCol="0" anchor="ctr"/>
-              <a:lstStyle/>
-              <a:p>
-                <a:pPr algn="ctr"/>
-                <a:endParaRPr lang="it-IT" dirty="0"/>
-              </a:p>
-            </p:txBody>
-          </p:sp>
-          <p:sp>
-            <p:nvSpPr>
-              <p:cNvPr id="40" name="Rettangolo con angoli arrotondati 39">
-                <a:extLst>
-                  <a:ext uri="{FF2B5EF4-FFF2-40B4-BE49-F238E27FC236}">
-                    <a16:creationId xmlns:a16="http://schemas.microsoft.com/office/drawing/2014/main" id="{232792F8-3721-D3BB-C802-C11D7B478AA4}"/>
-                  </a:ext>
-                </a:extLst>
-              </p:cNvPr>
-              <p:cNvSpPr/>
-              <p:nvPr/>
-            </p:nvSpPr>
-            <p:spPr>
-              <a:xfrm>
-                <a:off x="1701101" y="1802916"/>
-                <a:ext cx="8789797" cy="3690014"/>
-              </a:xfrm>
-              <a:prstGeom prst="roundRect">
-                <a:avLst/>
-              </a:prstGeom>
-              <a:solidFill>
-                <a:srgbClr val="012F5F"/>
-              </a:solidFill>
-              <a:ln>
-                <a:solidFill>
-                  <a:srgbClr val="012F5F"/>
-                </a:solidFill>
-              </a:ln>
-            </p:spPr>
-            <p:style>
-              <a:lnRef idx="2">
-                <a:schemeClr val="accent1">
-                  <a:shade val="15000"/>
-                </a:schemeClr>
-              </a:lnRef>
-              <a:fillRef idx="1">
-                <a:schemeClr val="accent1"/>
-              </a:fillRef>
-              <a:effectRef idx="0">
-                <a:schemeClr val="accent1"/>
-              </a:effectRef>
-              <a:fontRef idx="minor">
-                <a:schemeClr val="lt1"/>
-              </a:fontRef>
-            </p:style>
-            <p:txBody>
-              <a:bodyPr rtlCol="0" anchor="ctr"/>
-              <a:lstStyle/>
-              <a:p>
-                <a:pPr algn="ctr"/>
-                <a:endParaRPr lang="it-IT" dirty="0"/>
-              </a:p>
-            </p:txBody>
-          </p:sp>
-        </p:grpSp>
-        <p:sp>
-          <p:nvSpPr>
-            <p:cNvPr id="41" name="CasellaDiTesto 40">
-              <a:extLst>
-                <a:ext uri="{FF2B5EF4-FFF2-40B4-BE49-F238E27FC236}">
-                  <a16:creationId xmlns:a16="http://schemas.microsoft.com/office/drawing/2014/main" id="{B4F4EBA0-371A-A945-06D1-DDD7E93B8F2E}"/>
-                </a:ext>
-              </a:extLst>
-            </p:cNvPr>
-            <p:cNvSpPr txBox="1"/>
-            <p:nvPr/>
-          </p:nvSpPr>
-          <p:spPr>
-            <a:xfrm>
-              <a:off x="729991" y="4396435"/>
-              <a:ext cx="4417374" cy="369332"/>
-            </a:xfrm>
-            <a:prstGeom prst="rect">
-              <a:avLst/>
-            </a:prstGeom>
-            <a:noFill/>
-          </p:spPr>
-          <p:txBody>
-            <a:bodyPr wrap="square" rtlCol="0">
-              <a:spAutoFit/>
-            </a:bodyPr>
-            <a:lstStyle/>
-            <a:p>
-              <a:pPr algn="ctr"/>
-              <a:r>
-                <a:rPr lang="it-IT" b="1" dirty="0">
-                  <a:solidFill>
-                    <a:schemeClr val="bg1"/>
-                  </a:solidFill>
-                </a:rPr>
-                <a:t>Expose coordinated or persistent threats</a:t>
-              </a:r>
-            </a:p>
-          </p:txBody>
-        </p:sp>
-        <p:grpSp>
-          <p:nvGrpSpPr>
-            <p:cNvPr id="44" name="Gruppo 43">
-              <a:extLst>
-                <a:ext uri="{FF2B5EF4-FFF2-40B4-BE49-F238E27FC236}">
-                  <a16:creationId xmlns:a16="http://schemas.microsoft.com/office/drawing/2014/main" id="{47E069F8-9BC6-204D-6918-21E012443DD5}"/>
-                </a:ext>
-              </a:extLst>
-            </p:cNvPr>
-            <p:cNvGrpSpPr/>
-            <p:nvPr/>
-          </p:nvGrpSpPr>
-          <p:grpSpPr>
-            <a:xfrm>
-              <a:off x="739768" y="5097632"/>
-              <a:ext cx="4455408" cy="646332"/>
-              <a:chOff x="1701101" y="1802916"/>
-              <a:chExt cx="8886021" cy="3784578"/>
-            </a:xfrm>
-          </p:grpSpPr>
-          <p:sp>
-            <p:nvSpPr>
-              <p:cNvPr id="45" name="Rettangolo con angoli arrotondati 44">
-                <a:extLst>
-                  <a:ext uri="{FF2B5EF4-FFF2-40B4-BE49-F238E27FC236}">
-                    <a16:creationId xmlns:a16="http://schemas.microsoft.com/office/drawing/2014/main" id="{0FE6B940-758A-860F-97CE-98217BE4C802}"/>
-                  </a:ext>
-                </a:extLst>
-              </p:cNvPr>
-              <p:cNvSpPr/>
-              <p:nvPr/>
-            </p:nvSpPr>
-            <p:spPr>
-              <a:xfrm>
-                <a:off x="1797325" y="1897480"/>
-                <a:ext cx="8789797" cy="3690014"/>
-              </a:xfrm>
-              <a:prstGeom prst="roundRect">
-                <a:avLst/>
-              </a:prstGeom>
-              <a:solidFill>
-                <a:schemeClr val="tx1"/>
-              </a:solidFill>
-              <a:ln>
-                <a:solidFill>
-                  <a:schemeClr val="tx1"/>
-                </a:solidFill>
-              </a:ln>
-            </p:spPr>
-            <p:style>
-              <a:lnRef idx="2">
-                <a:schemeClr val="accent1">
-                  <a:shade val="15000"/>
-                </a:schemeClr>
-              </a:lnRef>
-              <a:fillRef idx="1">
-                <a:schemeClr val="accent1"/>
-              </a:fillRef>
-              <a:effectRef idx="0">
-                <a:schemeClr val="accent1"/>
-              </a:effectRef>
-              <a:fontRef idx="minor">
-                <a:schemeClr val="lt1"/>
-              </a:fontRef>
-            </p:style>
-            <p:txBody>
-              <a:bodyPr rtlCol="0" anchor="ctr"/>
-              <a:lstStyle/>
-              <a:p>
-                <a:pPr algn="ctr"/>
-                <a:endParaRPr lang="it-IT" dirty="0"/>
-              </a:p>
-            </p:txBody>
-          </p:sp>
-          <p:sp>
-            <p:nvSpPr>
-              <p:cNvPr id="46" name="Rettangolo con angoli arrotondati 45">
-                <a:extLst>
-                  <a:ext uri="{FF2B5EF4-FFF2-40B4-BE49-F238E27FC236}">
-                    <a16:creationId xmlns:a16="http://schemas.microsoft.com/office/drawing/2014/main" id="{DFADA06A-D90F-965B-3D56-28B8D41E4C9C}"/>
-                  </a:ext>
-                </a:extLst>
-              </p:cNvPr>
-              <p:cNvSpPr/>
-              <p:nvPr/>
-            </p:nvSpPr>
-            <p:spPr>
-              <a:xfrm>
-                <a:off x="1701101" y="1802916"/>
-                <a:ext cx="8789797" cy="3690014"/>
-              </a:xfrm>
-              <a:prstGeom prst="roundRect">
-                <a:avLst/>
-              </a:prstGeom>
-              <a:solidFill>
-                <a:srgbClr val="012F5F"/>
-              </a:solidFill>
-              <a:ln>
-                <a:solidFill>
-                  <a:srgbClr val="012F5F"/>
-                </a:solidFill>
-              </a:ln>
-            </p:spPr>
-            <p:style>
-              <a:lnRef idx="2">
-                <a:schemeClr val="accent1">
-                  <a:shade val="15000"/>
-                </a:schemeClr>
-              </a:lnRef>
-              <a:fillRef idx="1">
-                <a:schemeClr val="accent1"/>
-              </a:fillRef>
-              <a:effectRef idx="0">
-                <a:schemeClr val="accent1"/>
-              </a:effectRef>
-              <a:fontRef idx="minor">
-                <a:schemeClr val="lt1"/>
-              </a:fontRef>
-            </p:style>
-            <p:txBody>
-              <a:bodyPr rtlCol="0" anchor="ctr"/>
-              <a:lstStyle/>
-              <a:p>
-                <a:pPr algn="ctr"/>
-                <a:endParaRPr lang="it-IT" dirty="0"/>
-              </a:p>
-            </p:txBody>
-          </p:sp>
-        </p:grpSp>
-        <p:sp>
-          <p:nvSpPr>
-            <p:cNvPr id="47" name="CasellaDiTesto 46">
-              <a:extLst>
-                <a:ext uri="{FF2B5EF4-FFF2-40B4-BE49-F238E27FC236}">
-                  <a16:creationId xmlns:a16="http://schemas.microsoft.com/office/drawing/2014/main" id="{3A15EDE1-6DC9-79F6-83B4-040D2814782A}"/>
-                </a:ext>
-              </a:extLst>
-            </p:cNvPr>
-            <p:cNvSpPr txBox="1"/>
-            <p:nvPr/>
-          </p:nvSpPr>
-          <p:spPr>
-            <a:xfrm>
-              <a:off x="729991" y="5228057"/>
-              <a:ext cx="4417374" cy="369332"/>
-            </a:xfrm>
-            <a:prstGeom prst="rect">
-              <a:avLst/>
-            </a:prstGeom>
-            <a:noFill/>
-          </p:spPr>
-          <p:txBody>
-            <a:bodyPr wrap="square" rtlCol="0">
-              <a:spAutoFit/>
-            </a:bodyPr>
-            <a:lstStyle/>
-            <a:p>
-              <a:pPr algn="ctr"/>
-              <a:r>
-                <a:rPr lang="it-IT" b="1" dirty="0">
-                  <a:solidFill>
-                    <a:schemeClr val="bg1"/>
-                  </a:solidFill>
-                </a:rPr>
-                <a:t>Identify reconnaissance behavior</a:t>
-              </a:r>
-            </a:p>
-          </p:txBody>
-        </p:sp>
-        <p:grpSp>
-          <p:nvGrpSpPr>
-            <p:cNvPr id="48" name="Gruppo 47">
-              <a:extLst>
-                <a:ext uri="{FF2B5EF4-FFF2-40B4-BE49-F238E27FC236}">
-                  <a16:creationId xmlns:a16="http://schemas.microsoft.com/office/drawing/2014/main" id="{8FACE15C-8187-6A70-B282-C7A3745D3635}"/>
-                </a:ext>
-              </a:extLst>
-            </p:cNvPr>
-            <p:cNvGrpSpPr/>
-            <p:nvPr/>
-          </p:nvGrpSpPr>
-          <p:grpSpPr>
-            <a:xfrm>
-              <a:off x="749545" y="3408269"/>
-              <a:ext cx="4455408" cy="646332"/>
-              <a:chOff x="1701101" y="1802916"/>
-              <a:chExt cx="8886021" cy="3784578"/>
-            </a:xfrm>
-          </p:grpSpPr>
-          <p:sp>
-            <p:nvSpPr>
-              <p:cNvPr id="49" name="Rettangolo con angoli arrotondati 48">
-                <a:extLst>
-                  <a:ext uri="{FF2B5EF4-FFF2-40B4-BE49-F238E27FC236}">
-                    <a16:creationId xmlns:a16="http://schemas.microsoft.com/office/drawing/2014/main" id="{72C593F9-AB3A-5F37-7EF8-8365C2C57898}"/>
-                  </a:ext>
-                </a:extLst>
-              </p:cNvPr>
-              <p:cNvSpPr/>
-              <p:nvPr/>
-            </p:nvSpPr>
-            <p:spPr>
-              <a:xfrm>
-                <a:off x="1797325" y="1897480"/>
-                <a:ext cx="8789797" cy="3690014"/>
-              </a:xfrm>
-              <a:prstGeom prst="roundRect">
-                <a:avLst/>
-              </a:prstGeom>
-              <a:solidFill>
-                <a:schemeClr val="tx1"/>
-              </a:solidFill>
-              <a:ln>
-                <a:solidFill>
-                  <a:schemeClr val="tx1"/>
-                </a:solidFill>
-              </a:ln>
-            </p:spPr>
-            <p:style>
-              <a:lnRef idx="2">
-                <a:schemeClr val="accent1">
-                  <a:shade val="15000"/>
-                </a:schemeClr>
-              </a:lnRef>
-              <a:fillRef idx="1">
-                <a:schemeClr val="accent1"/>
-              </a:fillRef>
-              <a:effectRef idx="0">
-                <a:schemeClr val="accent1"/>
-              </a:effectRef>
-              <a:fontRef idx="minor">
-                <a:schemeClr val="lt1"/>
-              </a:fontRef>
-            </p:style>
-            <p:txBody>
-              <a:bodyPr rtlCol="0" anchor="ctr"/>
-              <a:lstStyle/>
-              <a:p>
-                <a:pPr algn="ctr"/>
-                <a:endParaRPr lang="it-IT" dirty="0"/>
-              </a:p>
-            </p:txBody>
-          </p:sp>
-          <p:sp>
-            <p:nvSpPr>
-              <p:cNvPr id="50" name="Rettangolo con angoli arrotondati 49">
-                <a:extLst>
-                  <a:ext uri="{FF2B5EF4-FFF2-40B4-BE49-F238E27FC236}">
-                    <a16:creationId xmlns:a16="http://schemas.microsoft.com/office/drawing/2014/main" id="{EA42108D-14A8-BD69-2497-C84E90DA5159}"/>
-                  </a:ext>
-                </a:extLst>
-              </p:cNvPr>
-              <p:cNvSpPr/>
-              <p:nvPr/>
-            </p:nvSpPr>
-            <p:spPr>
-              <a:xfrm>
-                <a:off x="1701101" y="1802916"/>
-                <a:ext cx="8789797" cy="3690014"/>
-              </a:xfrm>
-              <a:prstGeom prst="roundRect">
-                <a:avLst/>
-              </a:prstGeom>
-              <a:solidFill>
-                <a:srgbClr val="012F5F"/>
-              </a:solidFill>
-              <a:ln>
-                <a:solidFill>
-                  <a:srgbClr val="012F5F"/>
-                </a:solidFill>
-              </a:ln>
-            </p:spPr>
-            <p:style>
-              <a:lnRef idx="2">
-                <a:schemeClr val="accent1">
-                  <a:shade val="15000"/>
-                </a:schemeClr>
-              </a:lnRef>
-              <a:fillRef idx="1">
-                <a:schemeClr val="accent1"/>
-              </a:fillRef>
-              <a:effectRef idx="0">
-                <a:schemeClr val="accent1"/>
-              </a:effectRef>
-              <a:fontRef idx="minor">
-                <a:schemeClr val="lt1"/>
-              </a:fontRef>
-            </p:style>
-            <p:txBody>
-              <a:bodyPr rtlCol="0" anchor="ctr"/>
-              <a:lstStyle/>
-              <a:p>
-                <a:pPr algn="ctr"/>
-                <a:endParaRPr lang="it-IT" dirty="0"/>
-              </a:p>
-            </p:txBody>
-          </p:sp>
-        </p:grpSp>
-        <p:sp>
-          <p:nvSpPr>
-            <p:cNvPr id="51" name="CasellaDiTesto 50">
-              <a:extLst>
-                <a:ext uri="{FF2B5EF4-FFF2-40B4-BE49-F238E27FC236}">
-                  <a16:creationId xmlns:a16="http://schemas.microsoft.com/office/drawing/2014/main" id="{578D9BDB-1941-03CE-7DB8-1F305B379A83}"/>
-                </a:ext>
-              </a:extLst>
-            </p:cNvPr>
-            <p:cNvSpPr txBox="1"/>
-            <p:nvPr/>
-          </p:nvSpPr>
-          <p:spPr>
-            <a:xfrm>
-              <a:off x="739768" y="3538694"/>
-              <a:ext cx="4417374" cy="369332"/>
-            </a:xfrm>
-            <a:prstGeom prst="rect">
-              <a:avLst/>
-            </a:prstGeom>
-            <a:noFill/>
-          </p:spPr>
-          <p:txBody>
-            <a:bodyPr wrap="square" rtlCol="0">
-              <a:spAutoFit/>
-            </a:bodyPr>
-            <a:lstStyle/>
-            <a:p>
-              <a:pPr algn="ctr"/>
-              <a:r>
-                <a:rPr lang="it-IT" b="1" dirty="0">
-                  <a:solidFill>
-                    <a:schemeClr val="bg1"/>
-                  </a:solidFill>
-                </a:rPr>
-                <a:t>Improves DNS-level threat visibility</a:t>
-              </a:r>
-            </a:p>
-          </p:txBody>
-        </p:sp>
-      </p:grpSp>
-      <p:pic>
-        <p:nvPicPr>
-          <p:cNvPr id="69" name="Immagine 68" descr="Immagine che contiene simbolo, logo, cerchio, Elementi grafici&#10;&#10;Il contenuto generato dall'IA potrebbe non essere corretto.">
-            <a:extLst>
-              <a:ext uri="{FF2B5EF4-FFF2-40B4-BE49-F238E27FC236}">
-                <a16:creationId xmlns:a16="http://schemas.microsoft.com/office/drawing/2014/main" id="{DD505F3B-0BDC-28A8-1CEB-8A3FB98055B1}"/>
-              </a:ext>
-            </a:extLst>
-          </p:cNvPr>
-          <p:cNvPicPr>
-            <a:picLocks noChangeAspect="1"/>
-          </p:cNvPicPr>
-          <p:nvPr/>
-        </p:nvPicPr>
-        <p:blipFill>
-          <a:blip r:embed="rId2">
-            <a:extLst>
-              <a:ext uri="{28A0092B-C50C-407E-A947-70E740481C1C}">
-                <a14:useLocalDpi xmlns:a14="http://schemas.microsoft.com/office/drawing/2010/main" val="0"/>
-              </a:ext>
-            </a:extLst>
-          </a:blip>
-          <a:stretch>
-            <a:fillRect/>
-          </a:stretch>
-        </p:blipFill>
-        <p:spPr>
-          <a:xfrm>
-            <a:off x="2026575" y="1772478"/>
-            <a:ext cx="3313043" cy="3313043"/>
-          </a:xfrm>
-          <a:prstGeom prst="rect">
-            <a:avLst/>
-          </a:prstGeom>
-        </p:spPr>
-      </p:pic>
       <p:sp>
         <p:nvSpPr>
-          <p:cNvPr id="70" name="CasellaDiTesto 69">
-            <a:extLst>
-              <a:ext uri="{FF2B5EF4-FFF2-40B4-BE49-F238E27FC236}">
-                <a16:creationId xmlns:a16="http://schemas.microsoft.com/office/drawing/2014/main" id="{85BD14A3-3953-4475-A81E-A53EB9AA1A45}"/>
+          <p:cNvPr id="41" name="CasellaDiTesto 40">
+            <a:extLst>
+              <a:ext uri="{FF2B5EF4-FFF2-40B4-BE49-F238E27FC236}">
+                <a16:creationId xmlns:a16="http://schemas.microsoft.com/office/drawing/2014/main" id="{B4F4EBA0-371A-A945-06D1-DDD7E93B8F2E}"/>
               </a:ext>
             </a:extLst>
           </p:cNvPr>
@@ -14447,8 +13725,8 @@
         </p:nvSpPr>
         <p:spPr>
           <a:xfrm>
-            <a:off x="2783776" y="4778233"/>
-            <a:ext cx="1931506" cy="461665"/>
+            <a:off x="6453038" y="4033646"/>
+            <a:ext cx="4600408" cy="369332"/>
           </a:xfrm>
           <a:prstGeom prst="rect">
             <a:avLst/>
@@ -14461,6 +13739,685 @@
           </a:bodyPr>
           <a:lstStyle/>
           <a:p>
+            <a:pPr algn="ctr"/>
+            <a:r>
+              <a:rPr lang="it-IT" b="1" dirty="0">
+                <a:solidFill>
+                  <a:schemeClr val="bg1"/>
+                </a:solidFill>
+              </a:rPr>
+              <a:t>Expose coordinated or persistent threats</a:t>
+            </a:r>
+          </a:p>
+        </p:txBody>
+      </p:sp>
+      <p:grpSp>
+        <p:nvGrpSpPr>
+          <p:cNvPr id="30" name="Gruppo 29">
+            <a:extLst>
+              <a:ext uri="{FF2B5EF4-FFF2-40B4-BE49-F238E27FC236}">
+                <a16:creationId xmlns:a16="http://schemas.microsoft.com/office/drawing/2014/main" id="{763349E4-901D-68F3-A81B-51E2DC500AD2}"/>
+              </a:ext>
+            </a:extLst>
+          </p:cNvPr>
+          <p:cNvGrpSpPr/>
+          <p:nvPr/>
+        </p:nvGrpSpPr>
+        <p:grpSpPr>
+          <a:xfrm>
+            <a:off x="6460429" y="1813782"/>
+            <a:ext cx="4681024" cy="581866"/>
+            <a:chOff x="1701101" y="1802916"/>
+            <a:chExt cx="8886021" cy="3784578"/>
+          </a:xfrm>
+        </p:grpSpPr>
+        <p:sp>
+          <p:nvSpPr>
+            <p:cNvPr id="31" name="Rettangolo con angoli arrotondati 30">
+              <a:extLst>
+                <a:ext uri="{FF2B5EF4-FFF2-40B4-BE49-F238E27FC236}">
+                  <a16:creationId xmlns:a16="http://schemas.microsoft.com/office/drawing/2014/main" id="{FF1DB698-421C-7238-B166-9ABB1C8844AA}"/>
+                </a:ext>
+              </a:extLst>
+            </p:cNvPr>
+            <p:cNvSpPr/>
+            <p:nvPr/>
+          </p:nvSpPr>
+          <p:spPr>
+            <a:xfrm>
+              <a:off x="1797325" y="1897480"/>
+              <a:ext cx="8789797" cy="3690014"/>
+            </a:xfrm>
+            <a:prstGeom prst="roundRect">
+              <a:avLst/>
+            </a:prstGeom>
+            <a:solidFill>
+              <a:schemeClr val="tx1"/>
+            </a:solidFill>
+            <a:ln>
+              <a:solidFill>
+                <a:schemeClr val="tx1"/>
+              </a:solidFill>
+            </a:ln>
+          </p:spPr>
+          <p:style>
+            <a:lnRef idx="2">
+              <a:schemeClr val="accent1">
+                <a:shade val="15000"/>
+              </a:schemeClr>
+            </a:lnRef>
+            <a:fillRef idx="1">
+              <a:schemeClr val="accent1"/>
+            </a:fillRef>
+            <a:effectRef idx="0">
+              <a:schemeClr val="accent1"/>
+            </a:effectRef>
+            <a:fontRef idx="minor">
+              <a:schemeClr val="lt1"/>
+            </a:fontRef>
+          </p:style>
+          <p:txBody>
+            <a:bodyPr rtlCol="0" anchor="ctr"/>
+            <a:lstStyle/>
+            <a:p>
+              <a:pPr algn="ctr"/>
+              <a:endParaRPr lang="it-IT" dirty="0"/>
+            </a:p>
+          </p:txBody>
+        </p:sp>
+        <p:sp>
+          <p:nvSpPr>
+            <p:cNvPr id="36" name="Rettangolo con angoli arrotondati 35">
+              <a:extLst>
+                <a:ext uri="{FF2B5EF4-FFF2-40B4-BE49-F238E27FC236}">
+                  <a16:creationId xmlns:a16="http://schemas.microsoft.com/office/drawing/2014/main" id="{613CFEBA-8291-1D57-1503-F393EFDB019D}"/>
+                </a:ext>
+              </a:extLst>
+            </p:cNvPr>
+            <p:cNvSpPr/>
+            <p:nvPr/>
+          </p:nvSpPr>
+          <p:spPr>
+            <a:xfrm>
+              <a:off x="1701101" y="1802916"/>
+              <a:ext cx="8789797" cy="3690014"/>
+            </a:xfrm>
+            <a:prstGeom prst="roundRect">
+              <a:avLst/>
+            </a:prstGeom>
+            <a:solidFill>
+              <a:srgbClr val="012F5F"/>
+            </a:solidFill>
+            <a:ln>
+              <a:solidFill>
+                <a:srgbClr val="012F5F"/>
+              </a:solidFill>
+            </a:ln>
+          </p:spPr>
+          <p:style>
+            <a:lnRef idx="2">
+              <a:schemeClr val="accent1">
+                <a:shade val="15000"/>
+              </a:schemeClr>
+            </a:lnRef>
+            <a:fillRef idx="1">
+              <a:schemeClr val="accent1"/>
+            </a:fillRef>
+            <a:effectRef idx="0">
+              <a:schemeClr val="accent1"/>
+            </a:effectRef>
+            <a:fontRef idx="minor">
+              <a:schemeClr val="lt1"/>
+            </a:fontRef>
+          </p:style>
+          <p:txBody>
+            <a:bodyPr rtlCol="0" anchor="ctr"/>
+            <a:lstStyle/>
+            <a:p>
+              <a:pPr algn="ctr"/>
+              <a:endParaRPr lang="it-IT" dirty="0"/>
+            </a:p>
+          </p:txBody>
+        </p:sp>
+      </p:grpSp>
+      <p:grpSp>
+        <p:nvGrpSpPr>
+          <p:cNvPr id="37" name="Gruppo 36">
+            <a:extLst>
+              <a:ext uri="{FF2B5EF4-FFF2-40B4-BE49-F238E27FC236}">
+                <a16:creationId xmlns:a16="http://schemas.microsoft.com/office/drawing/2014/main" id="{7F00A14D-48B9-90A5-EBED-C0AC952E5BDE}"/>
+              </a:ext>
+            </a:extLst>
+          </p:cNvPr>
+          <p:cNvGrpSpPr/>
+          <p:nvPr/>
+        </p:nvGrpSpPr>
+        <p:grpSpPr>
+          <a:xfrm>
+            <a:off x="6460429" y="3235686"/>
+            <a:ext cx="4681024" cy="553151"/>
+            <a:chOff x="1701101" y="1802916"/>
+            <a:chExt cx="8886021" cy="3784578"/>
+          </a:xfrm>
+        </p:grpSpPr>
+        <p:sp>
+          <p:nvSpPr>
+            <p:cNvPr id="42" name="Rettangolo con angoli arrotondati 41">
+              <a:extLst>
+                <a:ext uri="{FF2B5EF4-FFF2-40B4-BE49-F238E27FC236}">
+                  <a16:creationId xmlns:a16="http://schemas.microsoft.com/office/drawing/2014/main" id="{488AFC25-4B23-EE12-685C-DA46AC996CAD}"/>
+                </a:ext>
+              </a:extLst>
+            </p:cNvPr>
+            <p:cNvSpPr/>
+            <p:nvPr/>
+          </p:nvSpPr>
+          <p:spPr>
+            <a:xfrm>
+              <a:off x="1797325" y="1897480"/>
+              <a:ext cx="8789797" cy="3690014"/>
+            </a:xfrm>
+            <a:prstGeom prst="roundRect">
+              <a:avLst/>
+            </a:prstGeom>
+            <a:solidFill>
+              <a:schemeClr val="tx1"/>
+            </a:solidFill>
+            <a:ln>
+              <a:solidFill>
+                <a:schemeClr val="tx1"/>
+              </a:solidFill>
+            </a:ln>
+          </p:spPr>
+          <p:style>
+            <a:lnRef idx="2">
+              <a:schemeClr val="accent1">
+                <a:shade val="15000"/>
+              </a:schemeClr>
+            </a:lnRef>
+            <a:fillRef idx="1">
+              <a:schemeClr val="accent1"/>
+            </a:fillRef>
+            <a:effectRef idx="0">
+              <a:schemeClr val="accent1"/>
+            </a:effectRef>
+            <a:fontRef idx="minor">
+              <a:schemeClr val="lt1"/>
+            </a:fontRef>
+          </p:style>
+          <p:txBody>
+            <a:bodyPr rtlCol="0" anchor="ctr"/>
+            <a:lstStyle/>
+            <a:p>
+              <a:pPr algn="ctr"/>
+              <a:endParaRPr lang="it-IT" dirty="0"/>
+            </a:p>
+          </p:txBody>
+        </p:sp>
+        <p:sp>
+          <p:nvSpPr>
+            <p:cNvPr id="43" name="Rettangolo con angoli arrotondati 42">
+              <a:extLst>
+                <a:ext uri="{FF2B5EF4-FFF2-40B4-BE49-F238E27FC236}">
+                  <a16:creationId xmlns:a16="http://schemas.microsoft.com/office/drawing/2014/main" id="{D995F95A-F4E9-6692-A133-2D700DB34EDB}"/>
+                </a:ext>
+              </a:extLst>
+            </p:cNvPr>
+            <p:cNvSpPr/>
+            <p:nvPr/>
+          </p:nvSpPr>
+          <p:spPr>
+            <a:xfrm>
+              <a:off x="1701101" y="1802916"/>
+              <a:ext cx="8789797" cy="3690014"/>
+            </a:xfrm>
+            <a:prstGeom prst="roundRect">
+              <a:avLst/>
+            </a:prstGeom>
+            <a:solidFill>
+              <a:srgbClr val="012F5F"/>
+            </a:solidFill>
+            <a:ln>
+              <a:solidFill>
+                <a:srgbClr val="012F5F"/>
+              </a:solidFill>
+            </a:ln>
+          </p:spPr>
+          <p:style>
+            <a:lnRef idx="2">
+              <a:schemeClr val="accent1">
+                <a:shade val="15000"/>
+              </a:schemeClr>
+            </a:lnRef>
+            <a:fillRef idx="1">
+              <a:schemeClr val="accent1"/>
+            </a:fillRef>
+            <a:effectRef idx="0">
+              <a:schemeClr val="accent1"/>
+            </a:effectRef>
+            <a:fontRef idx="minor">
+              <a:schemeClr val="lt1"/>
+            </a:fontRef>
+          </p:style>
+          <p:txBody>
+            <a:bodyPr rtlCol="0" anchor="ctr"/>
+            <a:lstStyle/>
+            <a:p>
+              <a:pPr algn="ctr"/>
+              <a:endParaRPr lang="it-IT" dirty="0"/>
+            </a:p>
+          </p:txBody>
+        </p:sp>
+      </p:grpSp>
+      <p:sp>
+        <p:nvSpPr>
+          <p:cNvPr id="52" name="CasellaDiTesto 51">
+            <a:extLst>
+              <a:ext uri="{FF2B5EF4-FFF2-40B4-BE49-F238E27FC236}">
+                <a16:creationId xmlns:a16="http://schemas.microsoft.com/office/drawing/2014/main" id="{05A329E6-7773-ED96-8881-1DFD30510367}"/>
+              </a:ext>
+            </a:extLst>
+          </p:cNvPr>
+          <p:cNvSpPr txBox="1"/>
+          <p:nvPr/>
+        </p:nvSpPr>
+        <p:spPr>
+          <a:xfrm>
+            <a:off x="6460429" y="1897754"/>
+            <a:ext cx="4630335" cy="369332"/>
+          </a:xfrm>
+          <a:prstGeom prst="rect">
+            <a:avLst/>
+          </a:prstGeom>
+          <a:noFill/>
+        </p:spPr>
+        <p:txBody>
+          <a:bodyPr wrap="square" rtlCol="0">
+            <a:spAutoFit/>
+          </a:bodyPr>
+          <a:lstStyle/>
+          <a:p>
+            <a:pPr algn="ctr"/>
+            <a:r>
+              <a:rPr lang="it-IT" b="1" dirty="0">
+                <a:solidFill>
+                  <a:schemeClr val="bg1"/>
+                </a:solidFill>
+              </a:rPr>
+              <a:t>Early detection of malware infections</a:t>
+            </a:r>
+          </a:p>
+        </p:txBody>
+      </p:sp>
+      <p:sp>
+        <p:nvSpPr>
+          <p:cNvPr id="53" name="CasellaDiTesto 52">
+            <a:extLst>
+              <a:ext uri="{FF2B5EF4-FFF2-40B4-BE49-F238E27FC236}">
+                <a16:creationId xmlns:a16="http://schemas.microsoft.com/office/drawing/2014/main" id="{1A08EC31-A028-1F7A-DCFD-9804B010E6EE}"/>
+              </a:ext>
+            </a:extLst>
+          </p:cNvPr>
+          <p:cNvSpPr txBox="1"/>
+          <p:nvPr/>
+        </p:nvSpPr>
+        <p:spPr>
+          <a:xfrm>
+            <a:off x="6460429" y="3284876"/>
+            <a:ext cx="4593017" cy="369332"/>
+          </a:xfrm>
+          <a:prstGeom prst="rect">
+            <a:avLst/>
+          </a:prstGeom>
+          <a:noFill/>
+        </p:spPr>
+        <p:txBody>
+          <a:bodyPr wrap="square" rtlCol="0">
+            <a:spAutoFit/>
+          </a:bodyPr>
+          <a:lstStyle/>
+          <a:p>
+            <a:pPr algn="ctr"/>
+            <a:r>
+              <a:rPr lang="it-IT" b="1" dirty="0">
+                <a:solidFill>
+                  <a:schemeClr val="bg1"/>
+                </a:solidFill>
+              </a:rPr>
+              <a:t>Improves DNS-level threat visibility</a:t>
+            </a:r>
+          </a:p>
+        </p:txBody>
+      </p:sp>
+      <p:pic>
+        <p:nvPicPr>
+          <p:cNvPr id="54" name="Immagine 53" descr="Immagine che contiene simbolo, logo, cerchio, Elementi grafici&#10;&#10;Il contenuto generato dall'IA potrebbe non essere corretto.">
+            <a:extLst>
+              <a:ext uri="{FF2B5EF4-FFF2-40B4-BE49-F238E27FC236}">
+                <a16:creationId xmlns:a16="http://schemas.microsoft.com/office/drawing/2014/main" id="{173E258D-9483-351F-A700-2FB2824A7FB7}"/>
+              </a:ext>
+            </a:extLst>
+          </p:cNvPr>
+          <p:cNvPicPr>
+            <a:picLocks noChangeAspect="1"/>
+          </p:cNvPicPr>
+          <p:nvPr/>
+        </p:nvPicPr>
+        <p:blipFill>
+          <a:blip r:embed="rId2">
+            <a:extLst>
+              <a:ext uri="{28A0092B-C50C-407E-A947-70E740481C1C}">
+                <a14:useLocalDpi xmlns:a14="http://schemas.microsoft.com/office/drawing/2010/main" val="0"/>
+              </a:ext>
+            </a:extLst>
+          </a:blip>
+          <a:stretch>
+            <a:fillRect/>
+          </a:stretch>
+        </p:blipFill>
+        <p:spPr>
+          <a:xfrm>
+            <a:off x="1239078" y="1848708"/>
+            <a:ext cx="3313043" cy="3313043"/>
+          </a:xfrm>
+          <a:prstGeom prst="rect">
+            <a:avLst/>
+          </a:prstGeom>
+        </p:spPr>
+      </p:pic>
+      <p:cxnSp>
+        <p:nvCxnSpPr>
+          <p:cNvPr id="57" name="Connettore a gomito 56">
+            <a:extLst>
+              <a:ext uri="{FF2B5EF4-FFF2-40B4-BE49-F238E27FC236}">
+                <a16:creationId xmlns:a16="http://schemas.microsoft.com/office/drawing/2014/main" id="{047E164B-F893-CFC5-A57A-3A5E37E7C208}"/>
+              </a:ext>
+            </a:extLst>
+          </p:cNvPr>
+          <p:cNvCxnSpPr>
+            <a:cxnSpLocks/>
+            <a:stCxn id="54" idx="3"/>
+            <a:endCxn id="43" idx="1"/>
+          </p:cNvCxnSpPr>
+          <p:nvPr/>
+        </p:nvCxnSpPr>
+        <p:spPr>
+          <a:xfrm>
+            <a:off x="4552121" y="3505230"/>
+            <a:ext cx="1908308" cy="121"/>
+          </a:xfrm>
+          <a:prstGeom prst="bentConnector3">
+            <a:avLst>
+              <a:gd name="adj1" fmla="val 50000"/>
+            </a:avLst>
+          </a:prstGeom>
+          <a:ln>
+            <a:solidFill>
+              <a:schemeClr val="bg1"/>
+            </a:solidFill>
+            <a:tailEnd type="triangle"/>
+          </a:ln>
+        </p:spPr>
+        <p:style>
+          <a:lnRef idx="2">
+            <a:schemeClr val="accent1"/>
+          </a:lnRef>
+          <a:fillRef idx="0">
+            <a:schemeClr val="accent1"/>
+          </a:fillRef>
+          <a:effectRef idx="1">
+            <a:schemeClr val="accent1"/>
+          </a:effectRef>
+          <a:fontRef idx="minor">
+            <a:schemeClr val="tx1"/>
+          </a:fontRef>
+        </p:style>
+      </p:cxnSp>
+      <p:cxnSp>
+        <p:nvCxnSpPr>
+          <p:cNvPr id="58" name="Connettore a gomito 57">
+            <a:extLst>
+              <a:ext uri="{FF2B5EF4-FFF2-40B4-BE49-F238E27FC236}">
+                <a16:creationId xmlns:a16="http://schemas.microsoft.com/office/drawing/2014/main" id="{14D5DF1E-1594-A09C-772A-95A305342A67}"/>
+              </a:ext>
+            </a:extLst>
+          </p:cNvPr>
+          <p:cNvCxnSpPr>
+            <a:cxnSpLocks/>
+            <a:stCxn id="54" idx="3"/>
+            <a:endCxn id="52" idx="1"/>
+          </p:cNvCxnSpPr>
+          <p:nvPr/>
+        </p:nvCxnSpPr>
+        <p:spPr>
+          <a:xfrm flipV="1">
+            <a:off x="4552121" y="2082420"/>
+            <a:ext cx="1908308" cy="1422810"/>
+          </a:xfrm>
+          <a:prstGeom prst="bentConnector3">
+            <a:avLst>
+              <a:gd name="adj1" fmla="val 50000"/>
+            </a:avLst>
+          </a:prstGeom>
+          <a:ln>
+            <a:solidFill>
+              <a:schemeClr val="bg1"/>
+            </a:solidFill>
+            <a:tailEnd type="triangle"/>
+          </a:ln>
+        </p:spPr>
+        <p:style>
+          <a:lnRef idx="2">
+            <a:schemeClr val="accent1"/>
+          </a:lnRef>
+          <a:fillRef idx="0">
+            <a:schemeClr val="accent1"/>
+          </a:fillRef>
+          <a:effectRef idx="1">
+            <a:schemeClr val="accent1"/>
+          </a:effectRef>
+          <a:fontRef idx="minor">
+            <a:schemeClr val="tx1"/>
+          </a:fontRef>
+        </p:style>
+      </p:cxnSp>
+      <p:grpSp>
+        <p:nvGrpSpPr>
+          <p:cNvPr id="59" name="Gruppo 58">
+            <a:extLst>
+              <a:ext uri="{FF2B5EF4-FFF2-40B4-BE49-F238E27FC236}">
+                <a16:creationId xmlns:a16="http://schemas.microsoft.com/office/drawing/2014/main" id="{30DAEFF2-0599-6804-5CAC-0FF1B3C6D91B}"/>
+              </a:ext>
+            </a:extLst>
+          </p:cNvPr>
+          <p:cNvGrpSpPr/>
+          <p:nvPr/>
+        </p:nvGrpSpPr>
+        <p:grpSpPr>
+          <a:xfrm>
+            <a:off x="6460429" y="2537621"/>
+            <a:ext cx="4681024" cy="567327"/>
+            <a:chOff x="1701101" y="1802916"/>
+            <a:chExt cx="8886021" cy="3784578"/>
+          </a:xfrm>
+        </p:grpSpPr>
+        <p:sp>
+          <p:nvSpPr>
+            <p:cNvPr id="60" name="Rettangolo con angoli arrotondati 59">
+              <a:extLst>
+                <a:ext uri="{FF2B5EF4-FFF2-40B4-BE49-F238E27FC236}">
+                  <a16:creationId xmlns:a16="http://schemas.microsoft.com/office/drawing/2014/main" id="{34ACC5B6-42D2-EB98-BB7F-63A82FF01777}"/>
+                </a:ext>
+              </a:extLst>
+            </p:cNvPr>
+            <p:cNvSpPr/>
+            <p:nvPr/>
+          </p:nvSpPr>
+          <p:spPr>
+            <a:xfrm>
+              <a:off x="1797325" y="1897480"/>
+              <a:ext cx="8789797" cy="3690014"/>
+            </a:xfrm>
+            <a:prstGeom prst="roundRect">
+              <a:avLst/>
+            </a:prstGeom>
+            <a:solidFill>
+              <a:schemeClr val="tx1"/>
+            </a:solidFill>
+            <a:ln>
+              <a:solidFill>
+                <a:schemeClr val="tx1"/>
+              </a:solidFill>
+            </a:ln>
+          </p:spPr>
+          <p:style>
+            <a:lnRef idx="2">
+              <a:schemeClr val="accent1">
+                <a:shade val="15000"/>
+              </a:schemeClr>
+            </a:lnRef>
+            <a:fillRef idx="1">
+              <a:schemeClr val="accent1"/>
+            </a:fillRef>
+            <a:effectRef idx="0">
+              <a:schemeClr val="accent1"/>
+            </a:effectRef>
+            <a:fontRef idx="minor">
+              <a:schemeClr val="lt1"/>
+            </a:fontRef>
+          </p:style>
+          <p:txBody>
+            <a:bodyPr rtlCol="0" anchor="ctr"/>
+            <a:lstStyle/>
+            <a:p>
+              <a:pPr algn="ctr"/>
+              <a:endParaRPr lang="it-IT" dirty="0"/>
+            </a:p>
+          </p:txBody>
+        </p:sp>
+        <p:sp>
+          <p:nvSpPr>
+            <p:cNvPr id="61" name="Rettangolo con angoli arrotondati 60">
+              <a:extLst>
+                <a:ext uri="{FF2B5EF4-FFF2-40B4-BE49-F238E27FC236}">
+                  <a16:creationId xmlns:a16="http://schemas.microsoft.com/office/drawing/2014/main" id="{71EB7E2E-489F-89E9-6949-3D9891973D61}"/>
+                </a:ext>
+              </a:extLst>
+            </p:cNvPr>
+            <p:cNvSpPr/>
+            <p:nvPr/>
+          </p:nvSpPr>
+          <p:spPr>
+            <a:xfrm>
+              <a:off x="1701101" y="1802916"/>
+              <a:ext cx="8789797" cy="3690014"/>
+            </a:xfrm>
+            <a:prstGeom prst="roundRect">
+              <a:avLst/>
+            </a:prstGeom>
+            <a:solidFill>
+              <a:srgbClr val="012F5F"/>
+            </a:solidFill>
+            <a:ln>
+              <a:solidFill>
+                <a:srgbClr val="012F5F"/>
+              </a:solidFill>
+            </a:ln>
+          </p:spPr>
+          <p:style>
+            <a:lnRef idx="2">
+              <a:schemeClr val="accent1">
+                <a:shade val="15000"/>
+              </a:schemeClr>
+            </a:lnRef>
+            <a:fillRef idx="1">
+              <a:schemeClr val="accent1"/>
+            </a:fillRef>
+            <a:effectRef idx="0">
+              <a:schemeClr val="accent1"/>
+            </a:effectRef>
+            <a:fontRef idx="minor">
+              <a:schemeClr val="lt1"/>
+            </a:fontRef>
+          </p:style>
+          <p:txBody>
+            <a:bodyPr rtlCol="0" anchor="ctr"/>
+            <a:lstStyle/>
+            <a:p>
+              <a:pPr algn="ctr"/>
+              <a:endParaRPr lang="it-IT" dirty="0"/>
+            </a:p>
+          </p:txBody>
+        </p:sp>
+      </p:grpSp>
+      <p:sp>
+        <p:nvSpPr>
+          <p:cNvPr id="62" name="CasellaDiTesto 61">
+            <a:extLst>
+              <a:ext uri="{FF2B5EF4-FFF2-40B4-BE49-F238E27FC236}">
+                <a16:creationId xmlns:a16="http://schemas.microsoft.com/office/drawing/2014/main" id="{592A30AF-B544-1C33-EC0A-085F6B3C5D79}"/>
+              </a:ext>
+            </a:extLst>
+          </p:cNvPr>
+          <p:cNvSpPr txBox="1"/>
+          <p:nvPr/>
+        </p:nvSpPr>
+        <p:spPr>
+          <a:xfrm>
+            <a:off x="6460429" y="2621593"/>
+            <a:ext cx="4593017" cy="369332"/>
+          </a:xfrm>
+          <a:prstGeom prst="rect">
+            <a:avLst/>
+          </a:prstGeom>
+          <a:noFill/>
+        </p:spPr>
+        <p:txBody>
+          <a:bodyPr wrap="square" rtlCol="0">
+            <a:spAutoFit/>
+          </a:bodyPr>
+          <a:lstStyle/>
+          <a:p>
+            <a:pPr algn="ctr"/>
+            <a:r>
+              <a:rPr lang="it-IT" b="1" dirty="0">
+                <a:solidFill>
+                  <a:schemeClr val="bg1"/>
+                </a:solidFill>
+              </a:rPr>
+              <a:t>Unconver data exfiltration attempts</a:t>
+            </a:r>
+          </a:p>
+        </p:txBody>
+      </p:sp>
+      <p:sp>
+        <p:nvSpPr>
+          <p:cNvPr id="64" name="CasellaDiTesto 63">
+            <a:extLst>
+              <a:ext uri="{FF2B5EF4-FFF2-40B4-BE49-F238E27FC236}">
+                <a16:creationId xmlns:a16="http://schemas.microsoft.com/office/drawing/2014/main" id="{18C93EF8-FAC7-F8E1-7E9F-794D40A1EA1F}"/>
+              </a:ext>
+            </a:extLst>
+          </p:cNvPr>
+          <p:cNvSpPr txBox="1"/>
+          <p:nvPr/>
+        </p:nvSpPr>
+        <p:spPr>
+          <a:xfrm>
+            <a:off x="2045804" y="4970105"/>
+            <a:ext cx="1931506" cy="461665"/>
+          </a:xfrm>
+          <a:prstGeom prst="rect">
+            <a:avLst/>
+          </a:prstGeom>
+          <a:noFill/>
+        </p:spPr>
+        <p:txBody>
+          <a:bodyPr wrap="square" rtlCol="0">
+            <a:spAutoFit/>
+          </a:bodyPr>
+          <a:lstStyle/>
+          <a:p>
             <a:r>
               <a:rPr lang="it-IT" sz="2400" b="1" spc="-150" dirty="0">
                 <a:solidFill>
@@ -14472,6 +14429,150 @@
           </a:p>
         </p:txBody>
       </p:sp>
+      <p:cxnSp>
+        <p:nvCxnSpPr>
+          <p:cNvPr id="78" name="Connettore a gomito 77">
+            <a:extLst>
+              <a:ext uri="{FF2B5EF4-FFF2-40B4-BE49-F238E27FC236}">
+                <a16:creationId xmlns:a16="http://schemas.microsoft.com/office/drawing/2014/main" id="{3F641F56-72F3-5F62-2469-1697AD5FD113}"/>
+              </a:ext>
+            </a:extLst>
+          </p:cNvPr>
+          <p:cNvCxnSpPr>
+            <a:cxnSpLocks/>
+            <a:stCxn id="54" idx="3"/>
+            <a:endCxn id="62" idx="1"/>
+          </p:cNvCxnSpPr>
+          <p:nvPr/>
+        </p:nvCxnSpPr>
+        <p:spPr>
+          <a:xfrm flipV="1">
+            <a:off x="4552121" y="2806259"/>
+            <a:ext cx="1908308" cy="698971"/>
+          </a:xfrm>
+          <a:prstGeom prst="bentConnector3">
+            <a:avLst>
+              <a:gd name="adj1" fmla="val 50000"/>
+            </a:avLst>
+          </a:prstGeom>
+          <a:ln>
+            <a:solidFill>
+              <a:schemeClr val="bg1"/>
+            </a:solidFill>
+            <a:tailEnd type="triangle"/>
+          </a:ln>
+        </p:spPr>
+        <p:style>
+          <a:lnRef idx="2">
+            <a:schemeClr val="accent1"/>
+          </a:lnRef>
+          <a:fillRef idx="0">
+            <a:schemeClr val="accent1"/>
+          </a:fillRef>
+          <a:effectRef idx="1">
+            <a:schemeClr val="accent1"/>
+          </a:effectRef>
+          <a:fontRef idx="minor">
+            <a:schemeClr val="tx1"/>
+          </a:fontRef>
+        </p:style>
+      </p:cxnSp>
+      <p:cxnSp>
+        <p:nvCxnSpPr>
+          <p:cNvPr id="84" name="Connettore a gomito 83">
+            <a:extLst>
+              <a:ext uri="{FF2B5EF4-FFF2-40B4-BE49-F238E27FC236}">
+                <a16:creationId xmlns:a16="http://schemas.microsoft.com/office/drawing/2014/main" id="{131A6CB2-7F39-06D3-EF06-6C70BB601B8B}"/>
+              </a:ext>
+            </a:extLst>
+          </p:cNvPr>
+          <p:cNvCxnSpPr>
+            <a:cxnSpLocks/>
+            <a:stCxn id="54" idx="3"/>
+            <a:endCxn id="41" idx="1"/>
+          </p:cNvCxnSpPr>
+          <p:nvPr/>
+        </p:nvCxnSpPr>
+        <p:spPr>
+          <a:xfrm>
+            <a:off x="4552121" y="3505230"/>
+            <a:ext cx="1900917" cy="713082"/>
+          </a:xfrm>
+          <a:prstGeom prst="bentConnector3">
+            <a:avLst>
+              <a:gd name="adj1" fmla="val 50000"/>
+            </a:avLst>
+          </a:prstGeom>
+          <a:ln>
+            <a:solidFill>
+              <a:schemeClr val="bg1"/>
+            </a:solidFill>
+            <a:tailEnd type="triangle"/>
+          </a:ln>
+        </p:spPr>
+        <p:style>
+          <a:lnRef idx="2">
+            <a:schemeClr val="accent1"/>
+          </a:lnRef>
+          <a:fillRef idx="0">
+            <a:schemeClr val="accent1"/>
+          </a:fillRef>
+          <a:effectRef idx="1">
+            <a:schemeClr val="accent1"/>
+          </a:effectRef>
+          <a:fontRef idx="minor">
+            <a:schemeClr val="tx1"/>
+          </a:fontRef>
+        </p:style>
+      </p:cxnSp>
+      <p:cxnSp>
+        <p:nvCxnSpPr>
+          <p:cNvPr id="87" name="Connettore a gomito 86">
+            <a:extLst>
+              <a:ext uri="{FF2B5EF4-FFF2-40B4-BE49-F238E27FC236}">
+                <a16:creationId xmlns:a16="http://schemas.microsoft.com/office/drawing/2014/main" id="{9E158986-124F-BB10-77F3-B69FCB44F180}"/>
+              </a:ext>
+            </a:extLst>
+          </p:cNvPr>
+          <p:cNvCxnSpPr>
+            <a:cxnSpLocks/>
+            <a:stCxn id="54" idx="3"/>
+            <a:endCxn id="47" idx="1"/>
+          </p:cNvCxnSpPr>
+          <p:nvPr/>
+        </p:nvCxnSpPr>
+        <p:spPr>
+          <a:xfrm>
+            <a:off x="4552121" y="3505230"/>
+            <a:ext cx="1918698" cy="1426043"/>
+          </a:xfrm>
+          <a:prstGeom prst="bentConnector3">
+            <a:avLst>
+              <a:gd name="adj1" fmla="val 49404"/>
+            </a:avLst>
+          </a:prstGeom>
+          <a:ln>
+            <a:solidFill>
+              <a:schemeClr val="bg1"/>
+            </a:solidFill>
+            <a:tailEnd type="triangle"/>
+          </a:ln>
+        </p:spPr>
+        <p:style>
+          <a:lnRef idx="2">
+            <a:schemeClr val="accent1"/>
+          </a:lnRef>
+          <a:fillRef idx="0">
+            <a:schemeClr val="accent1"/>
+          </a:fillRef>
+          <a:effectRef idx="1">
+            <a:schemeClr val="accent1"/>
+          </a:effectRef>
+          <a:fontRef idx="minor">
+            <a:schemeClr val="tx1"/>
+          </a:fontRef>
+        </p:style>
+      </p:cxnSp>
     </p:spTree>
     <p:extLst>
       <p:ext uri="{BB962C8B-B14F-4D97-AF65-F5344CB8AC3E}">

--- a/Splunk-Build-A-Thon-Idea/Splunk-DNSGuard-AI-IDEA.pptx
+++ b/Splunk-Build-A-Thon-Idea/Splunk-DNSGuard-AI-IDEA.pptx
@@ -205,7 +205,7 @@
           <a:p>
             <a:fld id="{07B3BC97-3BC0-40FA-81A1-72ED287ACE70}" type="datetimeFigureOut">
               <a:rPr lang="it-IT" smtClean="0"/>
-              <a:t>20/05/2025</a:t>
+              <a:t>24/05/2025</a:t>
             </a:fld>
             <a:endParaRPr lang="it-IT" dirty="0"/>
           </a:p>
@@ -703,7 +703,7 @@
           <a:p>
             <a:fld id="{C94D923A-9170-4643-B378-C6ADCBE8E107}" type="datetimeFigureOut">
               <a:rPr lang="it-IT" smtClean="0"/>
-              <a:t>20/05/2025</a:t>
+              <a:t>24/05/2025</a:t>
             </a:fld>
             <a:endParaRPr lang="it-IT" dirty="0"/>
           </a:p>
@@ -901,7 +901,7 @@
           <a:p>
             <a:fld id="{C94D923A-9170-4643-B378-C6ADCBE8E107}" type="datetimeFigureOut">
               <a:rPr lang="it-IT" smtClean="0"/>
-              <a:t>20/05/2025</a:t>
+              <a:t>24/05/2025</a:t>
             </a:fld>
             <a:endParaRPr lang="it-IT" dirty="0"/>
           </a:p>
@@ -1109,7 +1109,7 @@
           <a:p>
             <a:fld id="{C94D923A-9170-4643-B378-C6ADCBE8E107}" type="datetimeFigureOut">
               <a:rPr lang="it-IT" smtClean="0"/>
-              <a:t>20/05/2025</a:t>
+              <a:t>24/05/2025</a:t>
             </a:fld>
             <a:endParaRPr lang="it-IT" dirty="0"/>
           </a:p>
@@ -1307,7 +1307,7 @@
           <a:p>
             <a:fld id="{C94D923A-9170-4643-B378-C6ADCBE8E107}" type="datetimeFigureOut">
               <a:rPr lang="it-IT" smtClean="0"/>
-              <a:t>20/05/2025</a:t>
+              <a:t>24/05/2025</a:t>
             </a:fld>
             <a:endParaRPr lang="it-IT" dirty="0"/>
           </a:p>
@@ -1582,7 +1582,7 @@
           <a:p>
             <a:fld id="{C94D923A-9170-4643-B378-C6ADCBE8E107}" type="datetimeFigureOut">
               <a:rPr lang="it-IT" smtClean="0"/>
-              <a:t>20/05/2025</a:t>
+              <a:t>24/05/2025</a:t>
             </a:fld>
             <a:endParaRPr lang="it-IT" dirty="0"/>
           </a:p>
@@ -1847,7 +1847,7 @@
           <a:p>
             <a:fld id="{C94D923A-9170-4643-B378-C6ADCBE8E107}" type="datetimeFigureOut">
               <a:rPr lang="it-IT" smtClean="0"/>
-              <a:t>20/05/2025</a:t>
+              <a:t>24/05/2025</a:t>
             </a:fld>
             <a:endParaRPr lang="it-IT" dirty="0"/>
           </a:p>
@@ -2259,7 +2259,7 @@
           <a:p>
             <a:fld id="{C94D923A-9170-4643-B378-C6ADCBE8E107}" type="datetimeFigureOut">
               <a:rPr lang="it-IT" smtClean="0"/>
-              <a:t>20/05/2025</a:t>
+              <a:t>24/05/2025</a:t>
             </a:fld>
             <a:endParaRPr lang="it-IT" dirty="0"/>
           </a:p>
@@ -2400,7 +2400,7 @@
           <a:p>
             <a:fld id="{C94D923A-9170-4643-B378-C6ADCBE8E107}" type="datetimeFigureOut">
               <a:rPr lang="it-IT" smtClean="0"/>
-              <a:t>20/05/2025</a:t>
+              <a:t>24/05/2025</a:t>
             </a:fld>
             <a:endParaRPr lang="it-IT" dirty="0"/>
           </a:p>
@@ -2513,7 +2513,7 @@
           <a:p>
             <a:fld id="{C94D923A-9170-4643-B378-C6ADCBE8E107}" type="datetimeFigureOut">
               <a:rPr lang="it-IT" smtClean="0"/>
-              <a:t>20/05/2025</a:t>
+              <a:t>24/05/2025</a:t>
             </a:fld>
             <a:endParaRPr lang="it-IT" dirty="0"/>
           </a:p>
@@ -2824,7 +2824,7 @@
           <a:p>
             <a:fld id="{C94D923A-9170-4643-B378-C6ADCBE8E107}" type="datetimeFigureOut">
               <a:rPr lang="it-IT" smtClean="0"/>
-              <a:t>20/05/2025</a:t>
+              <a:t>24/05/2025</a:t>
             </a:fld>
             <a:endParaRPr lang="it-IT" dirty="0"/>
           </a:p>
@@ -3112,7 +3112,7 @@
           <a:p>
             <a:fld id="{C94D923A-9170-4643-B378-C6ADCBE8E107}" type="datetimeFigureOut">
               <a:rPr lang="it-IT" smtClean="0"/>
-              <a:t>20/05/2025</a:t>
+              <a:t>24/05/2025</a:t>
             </a:fld>
             <a:endParaRPr lang="it-IT" dirty="0"/>
           </a:p>
@@ -3353,7 +3353,7 @@
           <a:p>
             <a:fld id="{C94D923A-9170-4643-B378-C6ADCBE8E107}" type="datetimeFigureOut">
               <a:rPr lang="it-IT" smtClean="0"/>
-              <a:t>20/05/2025</a:t>
+              <a:t>24/05/2025</a:t>
             </a:fld>
             <a:endParaRPr lang="it-IT" dirty="0"/>
           </a:p>
@@ -4288,10 +4288,10 @@
       </p:sp>
       <p:sp>
         <p:nvSpPr>
-          <p:cNvPr id="7" name="CasellaDiTesto 6">
-            <a:extLst>
-              <a:ext uri="{FF2B5EF4-FFF2-40B4-BE49-F238E27FC236}">
-                <a16:creationId xmlns:a16="http://schemas.microsoft.com/office/drawing/2014/main" id="{4AA8BE88-F38A-FD56-6A71-A26B4AC7515F}"/>
+          <p:cNvPr id="8" name="CasellaDiTesto 7">
+            <a:extLst>
+              <a:ext uri="{FF2B5EF4-FFF2-40B4-BE49-F238E27FC236}">
+                <a16:creationId xmlns:a16="http://schemas.microsoft.com/office/drawing/2014/main" id="{09CB7919-DAA0-358F-1D98-92DAD8EAF531}"/>
               </a:ext>
             </a:extLst>
           </p:cNvPr>
@@ -4300,8 +4300,8 @@
         </p:nvSpPr>
         <p:spPr>
           <a:xfrm>
-            <a:off x="1720566" y="2405077"/>
-            <a:ext cx="8750868" cy="2785378"/>
+            <a:off x="5277677" y="1741431"/>
+            <a:ext cx="6230362" cy="3554819"/>
           </a:xfrm>
           <a:prstGeom prst="rect">
             <a:avLst/>
@@ -4314,7 +4314,7 @@
           </a:bodyPr>
           <a:lstStyle/>
           <a:p>
-            <a:pPr algn="ctr"/>
+            <a:pPr algn="r"/>
             <a:r>
               <a:rPr lang="en-US" sz="2500" b="1" i="0" dirty="0">
                 <a:solidFill>
@@ -4417,7 +4417,7 @@
             </a:r>
           </a:p>
           <a:p>
-            <a:pPr algn="ctr"/>
+            <a:pPr algn="r"/>
             <a:r>
               <a:rPr lang="en-US" sz="2500" b="0" i="0" dirty="0">
                 <a:solidFill>
@@ -4456,6 +4456,42 @@
           </a:p>
         </p:txBody>
       </p:sp>
+      <p:pic>
+        <p:nvPicPr>
+          <p:cNvPr id="9" name="Immagine 8" descr="Immagine che contiene simbolo, logo, cerchio, Elementi grafici&#10;&#10;Il contenuto generato dall'IA potrebbe non essere corretto.">
+            <a:extLst>
+              <a:ext uri="{FF2B5EF4-FFF2-40B4-BE49-F238E27FC236}">
+                <a16:creationId xmlns:a16="http://schemas.microsoft.com/office/drawing/2014/main" id="{C9310A60-6A9E-F196-0216-1153151C1658}"/>
+              </a:ext>
+            </a:extLst>
+          </p:cNvPr>
+          <p:cNvPicPr>
+            <a:picLocks noChangeAspect="1"/>
+          </p:cNvPicPr>
+          <p:nvPr/>
+        </p:nvPicPr>
+        <p:blipFill>
+          <a:blip r:embed="rId2">
+            <a:extLst>
+              <a:ext uri="{28A0092B-C50C-407E-A947-70E740481C1C}">
+                <a14:useLocalDpi xmlns:a14="http://schemas.microsoft.com/office/drawing/2010/main" val="0"/>
+              </a:ext>
+            </a:extLst>
+          </a:blip>
+          <a:stretch>
+            <a:fillRect/>
+          </a:stretch>
+        </p:blipFill>
+        <p:spPr>
+          <a:xfrm>
+            <a:off x="1239078" y="1772478"/>
+            <a:ext cx="3313043" cy="3313043"/>
+          </a:xfrm>
+          <a:prstGeom prst="rect">
+            <a:avLst/>
+          </a:prstGeom>
+        </p:spPr>
+      </p:pic>
     </p:spTree>
     <p:extLst>
       <p:ext uri="{BB962C8B-B14F-4D97-AF65-F5344CB8AC3E}">
@@ -7750,7 +7786,7 @@
         <p:spPr>
           <a:xfrm>
             <a:off x="8149362" y="2747563"/>
-            <a:ext cx="3308334" cy="1200329"/>
+            <a:ext cx="3308334" cy="830997"/>
           </a:xfrm>
           <a:prstGeom prst="rect">
             <a:avLst/>
@@ -7770,7 +7806,7 @@
                   <a:schemeClr val="bg1"/>
                 </a:solidFill>
               </a:rPr>
-              <a:t>Identifies hosts making an unusually high number of DNS queries, which could indicate command and control communication or data exfiltration through DNS tunneling. Uses density function to find hourly query count outliers by source.</a:t>
+              <a:t>Identifies hosts making an unusually high number of DNS queries, which could indicate command and control communication or data exfiltration through DNS tunneling. </a:t>
             </a:r>
             <a:endParaRPr lang="it-IT" sz="1200" dirty="0">
               <a:solidFill>
@@ -7986,7 +8022,7 @@
                 <a:effectLst/>
                 <a:latin typeface="-apple-system"/>
               </a:rPr>
-              <a:t>Identifies patterns where many unique subdomains are requested for a legitimate domain, which may indicate an attacker using compromised DNS accounts to create malicious subdomains. Measures distinct subdomain count by parent domain and identifies outliers.</a:t>
+              <a:t>Identifies patterns where many unique subdomains are requested for a legitimate domain, which may indicate an attacker using compromised DNS accounts to create malicious subdomains. Measures distinct subdomain count by parent domain and identifies anomalies.</a:t>
             </a:r>
             <a:endParaRPr lang="it-IT" sz="1200" dirty="0">
               <a:solidFill>
@@ -8418,7 +8454,26 @@
                 <a:effectLst/>
                 <a:latin typeface="-apple-system"/>
               </a:rPr>
-              <a:t>Detects unusually long DNS queries that may represent data exfiltration channels where sensitive information is encoded in the query itself. Identifies outliers in query string length by host.</a:t>
+              <a:t>Detects unusually long DNS queries that may represent data exfiltration channels where sensitive information is encoded in the query itself. Identifies </a:t>
+            </a:r>
+            <a:r>
+              <a:rPr lang="en-US" sz="1200" dirty="0">
+                <a:solidFill>
+                  <a:srgbClr val="F0F6FC"/>
+                </a:solidFill>
+                <a:latin typeface="-apple-system"/>
+              </a:rPr>
+              <a:t>anomalies</a:t>
+            </a:r>
+            <a:r>
+              <a:rPr lang="en-US" sz="1200" b="0" i="0" dirty="0">
+                <a:solidFill>
+                  <a:srgbClr val="F0F6FC"/>
+                </a:solidFill>
+                <a:effectLst/>
+                <a:latin typeface="-apple-system"/>
+              </a:rPr>
+              <a:t> in query string length by host.</a:t>
             </a:r>
             <a:endParaRPr lang="it-IT" sz="1200" dirty="0">
               <a:solidFill>
@@ -12858,6 +12913,46 @@
           </a:p>
         </p:txBody>
       </p:sp>
+      <p:sp>
+        <p:nvSpPr>
+          <p:cNvPr id="10" name="CasellaDiTesto 9">
+            <a:extLst>
+              <a:ext uri="{FF2B5EF4-FFF2-40B4-BE49-F238E27FC236}">
+                <a16:creationId xmlns:a16="http://schemas.microsoft.com/office/drawing/2014/main" id="{9088782E-9C1F-F8E6-673B-F0C4FA571881}"/>
+              </a:ext>
+            </a:extLst>
+          </p:cNvPr>
+          <p:cNvSpPr txBox="1"/>
+          <p:nvPr/>
+        </p:nvSpPr>
+        <p:spPr>
+          <a:xfrm>
+            <a:off x="4414520" y="1094016"/>
+            <a:ext cx="3362959" cy="369332"/>
+          </a:xfrm>
+          <a:prstGeom prst="rect">
+            <a:avLst/>
+          </a:prstGeom>
+          <a:noFill/>
+        </p:spPr>
+        <p:txBody>
+          <a:bodyPr wrap="square" rtlCol="0">
+            <a:spAutoFit/>
+          </a:bodyPr>
+          <a:lstStyle/>
+          <a:p>
+            <a:pPr algn="ctr"/>
+            <a:r>
+              <a:rPr lang="it-IT" b="1" dirty="0">
+                <a:solidFill>
+                  <a:schemeClr val="bg1"/>
+                </a:solidFill>
+              </a:rPr>
+              <a:t>Menu</a:t>
+            </a:r>
+          </a:p>
+        </p:txBody>
+      </p:sp>
     </p:spTree>
     <p:extLst>
       <p:ext uri="{BB962C8B-B14F-4D97-AF65-F5344CB8AC3E}">
@@ -13095,8 +13190,8 @@
         </p:nvSpPr>
         <p:spPr>
           <a:xfrm>
-            <a:off x="1132054" y="2087025"/>
-            <a:ext cx="9808825" cy="3170099"/>
+            <a:off x="4204864" y="1741431"/>
+            <a:ext cx="7303175" cy="4324261"/>
           </a:xfrm>
           <a:prstGeom prst="rect">
             <a:avLst/>
@@ -13109,7 +13204,7 @@
           </a:bodyPr>
           <a:lstStyle/>
           <a:p>
-            <a:pPr algn="ctr"/>
+            <a:pPr algn="r"/>
             <a:r>
               <a:rPr lang="en-US" sz="2500" i="0" dirty="0">
                 <a:solidFill>
@@ -13122,7 +13217,7 @@
             </a:r>
           </a:p>
           <a:p>
-            <a:pPr algn="ctr"/>
+            <a:pPr algn="r"/>
             <a:endParaRPr lang="en-US" sz="2500" dirty="0">
               <a:solidFill>
                 <a:srgbClr val="F0F6FC"/>
@@ -13131,7 +13226,7 @@
             </a:endParaRPr>
           </a:p>
           <a:p>
-            <a:pPr algn="ctr"/>
+            <a:pPr algn="r"/>
             <a:r>
               <a:rPr lang="en-US" sz="2500" i="0" dirty="0">
                 <a:solidFill>
@@ -13190,6 +13285,42 @@
           </a:p>
         </p:txBody>
       </p:sp>
+      <p:pic>
+        <p:nvPicPr>
+          <p:cNvPr id="9" name="Immagine 8" descr="Immagine che contiene schermata, cerchio, design&#10;&#10;Il contenuto generato dall'IA potrebbe non essere corretto.">
+            <a:extLst>
+              <a:ext uri="{FF2B5EF4-FFF2-40B4-BE49-F238E27FC236}">
+                <a16:creationId xmlns:a16="http://schemas.microsoft.com/office/drawing/2014/main" id="{B8EC419F-3D53-4C83-A4B8-647C37AC8CCB}"/>
+              </a:ext>
+            </a:extLst>
+          </p:cNvPr>
+          <p:cNvPicPr>
+            <a:picLocks noChangeAspect="1"/>
+          </p:cNvPicPr>
+          <p:nvPr/>
+        </p:nvPicPr>
+        <p:blipFill>
+          <a:blip r:embed="rId3">
+            <a:extLst>
+              <a:ext uri="{28A0092B-C50C-407E-A947-70E740481C1C}">
+                <a14:useLocalDpi xmlns:a14="http://schemas.microsoft.com/office/drawing/2010/main" val="0"/>
+              </a:ext>
+            </a:extLst>
+          </a:blip>
+          <a:stretch>
+            <a:fillRect/>
+          </a:stretch>
+        </p:blipFill>
+        <p:spPr>
+          <a:xfrm>
+            <a:off x="1425128" y="2208818"/>
+            <a:ext cx="2154703" cy="2440364"/>
+          </a:xfrm>
+          <a:prstGeom prst="rect">
+            <a:avLst/>
+          </a:prstGeom>
+        </p:spPr>
+      </p:pic>
     </p:spTree>
     <p:extLst>
       <p:ext uri="{BB962C8B-B14F-4D97-AF65-F5344CB8AC3E}">
@@ -14136,14 +14267,12 @@
           </p:cNvPr>
           <p:cNvCxnSpPr>
             <a:cxnSpLocks/>
-            <a:stCxn id="54" idx="3"/>
-            <a:endCxn id="43" idx="1"/>
           </p:cNvCxnSpPr>
           <p:nvPr/>
         </p:nvCxnSpPr>
         <p:spPr>
           <a:xfrm>
-            <a:off x="4552121" y="3505230"/>
+            <a:off x="4216841" y="3505230"/>
             <a:ext cx="1908308" cy="121"/>
           </a:xfrm>
           <a:prstGeom prst="bentConnector3">
@@ -14184,14 +14313,12 @@
           </p:cNvPr>
           <p:cNvCxnSpPr>
             <a:cxnSpLocks/>
-            <a:stCxn id="54" idx="3"/>
-            <a:endCxn id="52" idx="1"/>
           </p:cNvCxnSpPr>
           <p:nvPr/>
         </p:nvCxnSpPr>
         <p:spPr>
           <a:xfrm flipV="1">
-            <a:off x="4552121" y="2082420"/>
+            <a:off x="4216841" y="2082420"/>
             <a:ext cx="1908308" cy="1422810"/>
           </a:xfrm>
           <a:prstGeom prst="bentConnector3">
@@ -14380,12 +14507,20 @@
           <a:p>
             <a:pPr algn="ctr"/>
             <a:r>
+              <a:rPr lang="it-IT" b="1" dirty="0" err="1">
+                <a:solidFill>
+                  <a:schemeClr val="bg1"/>
+                </a:solidFill>
+              </a:rPr>
+              <a:t>Uncover</a:t>
+            </a:r>
+            <a:r>
               <a:rPr lang="it-IT" b="1" dirty="0">
                 <a:solidFill>
                   <a:schemeClr val="bg1"/>
                 </a:solidFill>
               </a:rPr>
-              <a:t>Unconver data exfiltration attempts</a:t>
+              <a:t> data exfiltration attempts</a:t>
             </a:r>
           </a:p>
         </p:txBody>
@@ -14440,14 +14575,12 @@
           </p:cNvPr>
           <p:cNvCxnSpPr>
             <a:cxnSpLocks/>
-            <a:stCxn id="54" idx="3"/>
-            <a:endCxn id="62" idx="1"/>
           </p:cNvCxnSpPr>
           <p:nvPr/>
         </p:nvCxnSpPr>
         <p:spPr>
           <a:xfrm flipV="1">
-            <a:off x="4552121" y="2806259"/>
+            <a:off x="4216841" y="2806259"/>
             <a:ext cx="1908308" cy="698971"/>
           </a:xfrm>
           <a:prstGeom prst="bentConnector3">
@@ -14488,14 +14621,12 @@
           </p:cNvPr>
           <p:cNvCxnSpPr>
             <a:cxnSpLocks/>
-            <a:stCxn id="54" idx="3"/>
-            <a:endCxn id="41" idx="1"/>
           </p:cNvCxnSpPr>
           <p:nvPr/>
         </p:nvCxnSpPr>
         <p:spPr>
           <a:xfrm>
-            <a:off x="4552121" y="3505230"/>
+            <a:off x="4216841" y="3505230"/>
             <a:ext cx="1900917" cy="713082"/>
           </a:xfrm>
           <a:prstGeom prst="bentConnector3">
@@ -14536,14 +14667,12 @@
           </p:cNvPr>
           <p:cNvCxnSpPr>
             <a:cxnSpLocks/>
-            <a:stCxn id="54" idx="3"/>
-            <a:endCxn id="47" idx="1"/>
           </p:cNvCxnSpPr>
           <p:nvPr/>
         </p:nvCxnSpPr>
         <p:spPr>
           <a:xfrm>
-            <a:off x="4552121" y="3505230"/>
+            <a:off x="4216841" y="3505230"/>
             <a:ext cx="1918698" cy="1426043"/>
           </a:xfrm>
           <a:prstGeom prst="bentConnector3">

--- a/Splunk-Build-A-Thon-Idea/Splunk-DNSGuard-AI-IDEA.pptx
+++ b/Splunk-Build-A-Thon-Idea/Splunk-DNSGuard-AI-IDEA.pptx
@@ -8238,7 +8238,26 @@
                 <a:effectLst/>
                 <a:latin typeface="-apple-system"/>
               </a:rPr>
-              <a:t>Detects abnormal usage of specific DNS record types often associated with reconnaissance or data exfiltration. Identifies outliers in the usage of TXT (data exfiltration), ANY (broad queries), HINFO (host info leakage), and AXFR (zone transfer attempts) records by host.</a:t>
+              <a:t>Detects abnormal usage of specific DNS record types often associated with reconnaissance or data exfiltration. Identifies </a:t>
+            </a:r>
+            <a:r>
+              <a:rPr lang="en-US" sz="1200" dirty="0">
+                <a:solidFill>
+                  <a:srgbClr val="F0F6FC"/>
+                </a:solidFill>
+                <a:latin typeface="-apple-system"/>
+              </a:rPr>
+              <a:t>anomalies</a:t>
+            </a:r>
+            <a:r>
+              <a:rPr lang="en-US" sz="1200" b="0" i="0" dirty="0">
+                <a:solidFill>
+                  <a:srgbClr val="F0F6FC"/>
+                </a:solidFill>
+                <a:effectLst/>
+                <a:latin typeface="-apple-system"/>
+              </a:rPr>
+              <a:t> in the usage of TXT (data exfiltration), ANY (broad queries), HINFO (host info leakage), and AXFR (zone transfer attempts) records by host.</a:t>
             </a:r>
             <a:endParaRPr lang="it-IT" sz="1200" dirty="0">
               <a:solidFill>
